--- a/presentation.pptx
+++ b/presentation.pptx
@@ -4,9 +4,18 @@
   <p:sldMasterIdLst>
     <p:sldMasterId id="2147483648" r:id="rId1"/>
   </p:sldMasterIdLst>
+  <p:notesMasterIdLst>
+    <p:notesMasterId r:id="rId10"/>
+  </p:notesMasterIdLst>
   <p:sldIdLst>
     <p:sldId id="256" r:id="rId2"/>
     <p:sldId id="257" r:id="rId3"/>
+    <p:sldId id="261" r:id="rId4"/>
+    <p:sldId id="258" r:id="rId5"/>
+    <p:sldId id="262" r:id="rId6"/>
+    <p:sldId id="259" r:id="rId7"/>
+    <p:sldId id="260" r:id="rId8"/>
+    <p:sldId id="263" r:id="rId9"/>
   </p:sldIdLst>
   <p:sldSz cx="12192000" cy="6858000"/>
   <p:notesSz cx="6858000" cy="9144000"/>
@@ -105,6 +114,11 @@
       </a:defRPr>
     </a:lvl9pPr>
   </p:defaultTextStyle>
+  <p:extLst>
+    <p:ext uri="{EFAFB233-063F-42B5-8137-9DF3F51BA10A}">
+      <p15:sldGuideLst xmlns:p15="http://schemas.microsoft.com/office/powerpoint/2012/main"/>
+    </p:ext>
+  </p:extLst>
 </p:presentation>
 </file>
 
@@ -112,19 +126,19 @@
 <pc:chgInfo xmlns:a="http://schemas.openxmlformats.org/drawingml/2006/main" xmlns:r="http://schemas.openxmlformats.org/officeDocument/2006/relationships" xmlns:ac="http://schemas.microsoft.com/office/drawing/2013/main/command" xmlns:pc="http://schemas.microsoft.com/office/powerpoint/2013/main/command">
   <pc:docChgLst>
     <pc:chgData name="BRIAN WAWERU" userId="3fb8e1fabb4e43de" providerId="LiveId" clId="{76A7ECB2-D442-4928-8252-19052E5A2346}"/>
-    <pc:docChg chg="addSld modSld">
-      <pc:chgData name="BRIAN WAWERU" userId="3fb8e1fabb4e43de" providerId="LiveId" clId="{76A7ECB2-D442-4928-8252-19052E5A2346}" dt="2025-05-08T18:17:58.609" v="4" actId="680"/>
+    <pc:docChg chg="undo custSel addSld modSld sldOrd">
+      <pc:chgData name="BRIAN WAWERU" userId="3fb8e1fabb4e43de" providerId="LiveId" clId="{76A7ECB2-D442-4928-8252-19052E5A2346}" dt="2025-05-12T19:09:54.371" v="1082" actId="1035"/>
       <pc:docMkLst>
         <pc:docMk/>
       </pc:docMkLst>
-      <pc:sldChg chg="modSp mod">
-        <pc:chgData name="BRIAN WAWERU" userId="3fb8e1fabb4e43de" providerId="LiveId" clId="{76A7ECB2-D442-4928-8252-19052E5A2346}" dt="2025-05-08T18:17:56.471" v="3" actId="2711"/>
+      <pc:sldChg chg="addSp modSp mod">
+        <pc:chgData name="BRIAN WAWERU" userId="3fb8e1fabb4e43de" providerId="LiveId" clId="{76A7ECB2-D442-4928-8252-19052E5A2346}" dt="2025-05-12T19:07:24.968" v="986" actId="171"/>
         <pc:sldMkLst>
           <pc:docMk/>
           <pc:sldMk cId="2017375639" sldId="256"/>
         </pc:sldMkLst>
         <pc:spChg chg="mod">
-          <ac:chgData name="BRIAN WAWERU" userId="3fb8e1fabb4e43de" providerId="LiveId" clId="{76A7ECB2-D442-4928-8252-19052E5A2346}" dt="2025-05-08T18:17:56.471" v="3" actId="2711"/>
+          <ac:chgData name="BRIAN WAWERU" userId="3fb8e1fabb4e43de" providerId="LiveId" clId="{76A7ECB2-D442-4928-8252-19052E5A2346}" dt="2025-05-12T18:32:31.322" v="130" actId="20577"/>
           <ac:spMkLst>
             <pc:docMk/>
             <pc:sldMk cId="2017375639" sldId="256"/>
@@ -132,24 +146,732 @@
           </ac:spMkLst>
         </pc:spChg>
         <pc:spChg chg="mod">
-          <ac:chgData name="BRIAN WAWERU" userId="3fb8e1fabb4e43de" providerId="LiveId" clId="{76A7ECB2-D442-4928-8252-19052E5A2346}" dt="2025-05-08T18:17:44.551" v="1" actId="207"/>
+          <ac:chgData name="BRIAN WAWERU" userId="3fb8e1fabb4e43de" providerId="LiveId" clId="{76A7ECB2-D442-4928-8252-19052E5A2346}" dt="2025-05-12T18:39:58.778" v="302" actId="113"/>
           <ac:spMkLst>
             <pc:docMk/>
             <pc:sldMk cId="2017375639" sldId="256"/>
             <ac:spMk id="3" creationId="{6B36F14B-9425-ADFD-FAA0-71C2292BEEAD}"/>
           </ac:spMkLst>
         </pc:spChg>
+        <pc:spChg chg="add mod">
+          <ac:chgData name="BRIAN WAWERU" userId="3fb8e1fabb4e43de" providerId="LiveId" clId="{76A7ECB2-D442-4928-8252-19052E5A2346}" dt="2025-05-12T18:48:20.904" v="410" actId="1076"/>
+          <ac:spMkLst>
+            <pc:docMk/>
+            <pc:sldMk cId="2017375639" sldId="256"/>
+            <ac:spMk id="8" creationId="{92AEDD8E-CEBD-DD29-E51D-1B98A56E7DB6}"/>
+          </ac:spMkLst>
+        </pc:spChg>
+        <pc:picChg chg="add mod ord">
+          <ac:chgData name="BRIAN WAWERU" userId="3fb8e1fabb4e43de" providerId="LiveId" clId="{76A7ECB2-D442-4928-8252-19052E5A2346}" dt="2025-05-12T19:07:24.968" v="986" actId="171"/>
+          <ac:picMkLst>
+            <pc:docMk/>
+            <pc:sldMk cId="2017375639" sldId="256"/>
+            <ac:picMk id="5" creationId="{7E58D247-14F9-266A-5CAC-EF59D4778CF4}"/>
+          </ac:picMkLst>
+        </pc:picChg>
+        <pc:picChg chg="add mod">
+          <ac:chgData name="BRIAN WAWERU" userId="3fb8e1fabb4e43de" providerId="LiveId" clId="{76A7ECB2-D442-4928-8252-19052E5A2346}" dt="2025-05-12T18:33:08.459" v="138" actId="1038"/>
+          <ac:picMkLst>
+            <pc:docMk/>
+            <pc:sldMk cId="2017375639" sldId="256"/>
+            <ac:picMk id="7" creationId="{2AA4E2BA-9543-04A6-4C7B-0C24F4EBDA68}"/>
+          </ac:picMkLst>
+        </pc:picChg>
       </pc:sldChg>
-      <pc:sldChg chg="new">
-        <pc:chgData name="BRIAN WAWERU" userId="3fb8e1fabb4e43de" providerId="LiveId" clId="{76A7ECB2-D442-4928-8252-19052E5A2346}" dt="2025-05-08T18:17:58.609" v="4" actId="680"/>
+      <pc:sldChg chg="addSp delSp modSp new mod">
+        <pc:chgData name="BRIAN WAWERU" userId="3fb8e1fabb4e43de" providerId="LiveId" clId="{76A7ECB2-D442-4928-8252-19052E5A2346}" dt="2025-05-12T18:44:22.954" v="353" actId="207"/>
         <pc:sldMkLst>
           <pc:docMk/>
           <pc:sldMk cId="1177369284" sldId="257"/>
         </pc:sldMkLst>
+        <pc:spChg chg="mod">
+          <ac:chgData name="BRIAN WAWERU" userId="3fb8e1fabb4e43de" providerId="LiveId" clId="{76A7ECB2-D442-4928-8252-19052E5A2346}" dt="2025-05-12T18:36:36.238" v="215" actId="403"/>
+          <ac:spMkLst>
+            <pc:docMk/>
+            <pc:sldMk cId="1177369284" sldId="257"/>
+            <ac:spMk id="2" creationId="{D35324AF-6D2F-018E-B88E-49166E83ACC2}"/>
+          </ac:spMkLst>
+        </pc:spChg>
+        <pc:spChg chg="add del mod">
+          <ac:chgData name="BRIAN WAWERU" userId="3fb8e1fabb4e43de" providerId="LiveId" clId="{76A7ECB2-D442-4928-8252-19052E5A2346}" dt="2025-05-12T18:44:22.954" v="353" actId="207"/>
+          <ac:spMkLst>
+            <pc:docMk/>
+            <pc:sldMk cId="1177369284" sldId="257"/>
+            <ac:spMk id="3" creationId="{B96C2B88-1420-F599-52DB-20AE109F9956}"/>
+          </ac:spMkLst>
+        </pc:spChg>
+        <pc:spChg chg="add mod">
+          <ac:chgData name="BRIAN WAWERU" userId="3fb8e1fabb4e43de" providerId="LiveId" clId="{76A7ECB2-D442-4928-8252-19052E5A2346}" dt="2025-05-12T18:37:37.517" v="276"/>
+          <ac:spMkLst>
+            <pc:docMk/>
+            <pc:sldMk cId="1177369284" sldId="257"/>
+            <ac:spMk id="4" creationId="{6F0AEDC4-148C-485F-3AC8-94F0B3FB7A12}"/>
+          </ac:spMkLst>
+        </pc:spChg>
+        <pc:picChg chg="add mod">
+          <ac:chgData name="BRIAN WAWERU" userId="3fb8e1fabb4e43de" providerId="LiveId" clId="{76A7ECB2-D442-4928-8252-19052E5A2346}" dt="2025-05-12T18:38:44.289" v="292" actId="1076"/>
+          <ac:picMkLst>
+            <pc:docMk/>
+            <pc:sldMk cId="1177369284" sldId="257"/>
+            <ac:picMk id="6" creationId="{35D08BC3-B6F4-9AFA-E048-E1B985CD53D1}"/>
+          </ac:picMkLst>
+        </pc:picChg>
+      </pc:sldChg>
+      <pc:sldChg chg="addSp modSp add mod ord">
+        <pc:chgData name="BRIAN WAWERU" userId="3fb8e1fabb4e43de" providerId="LiveId" clId="{76A7ECB2-D442-4928-8252-19052E5A2346}" dt="2025-05-12T18:53:19.261" v="551" actId="1038"/>
+        <pc:sldMkLst>
+          <pc:docMk/>
+          <pc:sldMk cId="1803735515" sldId="258"/>
+        </pc:sldMkLst>
+        <pc:spChg chg="mod">
+          <ac:chgData name="BRIAN WAWERU" userId="3fb8e1fabb4e43de" providerId="LiveId" clId="{76A7ECB2-D442-4928-8252-19052E5A2346}" dt="2025-05-12T18:52:43.911" v="533" actId="14100"/>
+          <ac:spMkLst>
+            <pc:docMk/>
+            <pc:sldMk cId="1803735515" sldId="258"/>
+            <ac:spMk id="2" creationId="{D16E2CC5-D59D-5762-C54E-8677B1EA5C01}"/>
+          </ac:spMkLst>
+        </pc:spChg>
+        <pc:spChg chg="mod">
+          <ac:chgData name="BRIAN WAWERU" userId="3fb8e1fabb4e43de" providerId="LiveId" clId="{76A7ECB2-D442-4928-8252-19052E5A2346}" dt="2025-05-12T18:53:14.058" v="547" actId="27636"/>
+          <ac:spMkLst>
+            <pc:docMk/>
+            <pc:sldMk cId="1803735515" sldId="258"/>
+            <ac:spMk id="3" creationId="{434AD294-AD7D-58B2-4EF9-0E092B6550A9}"/>
+          </ac:spMkLst>
+        </pc:spChg>
+        <pc:picChg chg="add mod ord">
+          <ac:chgData name="BRIAN WAWERU" userId="3fb8e1fabb4e43de" providerId="LiveId" clId="{76A7ECB2-D442-4928-8252-19052E5A2346}" dt="2025-05-12T18:53:19.261" v="551" actId="1038"/>
+          <ac:picMkLst>
+            <pc:docMk/>
+            <pc:sldMk cId="1803735515" sldId="258"/>
+            <ac:picMk id="5" creationId="{D5A944E4-7AB2-BE11-FEC9-4C809BFC4E4D}"/>
+          </ac:picMkLst>
+        </pc:picChg>
+      </pc:sldChg>
+      <pc:sldChg chg="addSp modSp add mod">
+        <pc:chgData name="BRIAN WAWERU" userId="3fb8e1fabb4e43de" providerId="LiveId" clId="{76A7ECB2-D442-4928-8252-19052E5A2346}" dt="2025-05-12T19:07:03.964" v="981" actId="403"/>
+        <pc:sldMkLst>
+          <pc:docMk/>
+          <pc:sldMk cId="1032845563" sldId="259"/>
+        </pc:sldMkLst>
+        <pc:spChg chg="mod">
+          <ac:chgData name="BRIAN WAWERU" userId="3fb8e1fabb4e43de" providerId="LiveId" clId="{76A7ECB2-D442-4928-8252-19052E5A2346}" dt="2025-05-12T19:07:03.964" v="981" actId="403"/>
+          <ac:spMkLst>
+            <pc:docMk/>
+            <pc:sldMk cId="1032845563" sldId="259"/>
+            <ac:spMk id="2" creationId="{EED9793E-4AB3-5812-249F-98AAEE24A951}"/>
+          </ac:spMkLst>
+        </pc:spChg>
+        <pc:spChg chg="mod">
+          <ac:chgData name="BRIAN WAWERU" userId="3fb8e1fabb4e43de" providerId="LiveId" clId="{76A7ECB2-D442-4928-8252-19052E5A2346}" dt="2025-05-12T19:06:59.204" v="980" actId="20577"/>
+          <ac:spMkLst>
+            <pc:docMk/>
+            <pc:sldMk cId="1032845563" sldId="259"/>
+            <ac:spMk id="3" creationId="{F1E9F0EF-8CB4-E469-0E48-E3E56B4E500A}"/>
+          </ac:spMkLst>
+        </pc:spChg>
+        <pc:picChg chg="add mod">
+          <ac:chgData name="BRIAN WAWERU" userId="3fb8e1fabb4e43de" providerId="LiveId" clId="{76A7ECB2-D442-4928-8252-19052E5A2346}" dt="2025-05-12T19:01:16.951" v="727" actId="14100"/>
+          <ac:picMkLst>
+            <pc:docMk/>
+            <pc:sldMk cId="1032845563" sldId="259"/>
+            <ac:picMk id="5" creationId="{751C32B6-3FAD-7F29-5013-EB1EF64F945E}"/>
+          </ac:picMkLst>
+        </pc:picChg>
+      </pc:sldChg>
+      <pc:sldChg chg="addSp delSp modSp add mod replId">
+        <pc:chgData name="BRIAN WAWERU" userId="3fb8e1fabb4e43de" providerId="LiveId" clId="{76A7ECB2-D442-4928-8252-19052E5A2346}" dt="2025-05-12T19:04:58.787" v="734" actId="6549"/>
+        <pc:sldMkLst>
+          <pc:docMk/>
+          <pc:sldMk cId="3222917326" sldId="260"/>
+        </pc:sldMkLst>
+        <pc:spChg chg="mod">
+          <ac:chgData name="BRIAN WAWERU" userId="3fb8e1fabb4e43de" providerId="LiveId" clId="{76A7ECB2-D442-4928-8252-19052E5A2346}" dt="2025-05-12T18:36:19.746" v="201" actId="113"/>
+          <ac:spMkLst>
+            <pc:docMk/>
+            <pc:sldMk cId="3222917326" sldId="260"/>
+            <ac:spMk id="2" creationId="{BA5FE12D-A865-181B-6FB0-20D5AF725C43}"/>
+          </ac:spMkLst>
+        </pc:spChg>
+        <pc:spChg chg="add del mod">
+          <ac:chgData name="BRIAN WAWERU" userId="3fb8e1fabb4e43de" providerId="LiveId" clId="{76A7ECB2-D442-4928-8252-19052E5A2346}" dt="2025-05-12T19:04:58.787" v="734" actId="6549"/>
+          <ac:spMkLst>
+            <pc:docMk/>
+            <pc:sldMk cId="3222917326" sldId="260"/>
+            <ac:spMk id="3" creationId="{8EBA3096-9012-96DA-FCA3-CD9C2FE1F344}"/>
+          </ac:spMkLst>
+        </pc:spChg>
+        <pc:spChg chg="add mod">
+          <ac:chgData name="BRIAN WAWERU" userId="3fb8e1fabb4e43de" providerId="LiveId" clId="{76A7ECB2-D442-4928-8252-19052E5A2346}" dt="2025-05-12T18:34:43.276" v="174"/>
+          <ac:spMkLst>
+            <pc:docMk/>
+            <pc:sldMk cId="3222917326" sldId="260"/>
+            <ac:spMk id="4" creationId="{AEB6207A-86B6-CC37-3C4D-33ED3532B5F5}"/>
+          </ac:spMkLst>
+        </pc:spChg>
+      </pc:sldChg>
+      <pc:sldChg chg="addSp delSp modSp add mod">
+        <pc:chgData name="BRIAN WAWERU" userId="3fb8e1fabb4e43de" providerId="LiveId" clId="{76A7ECB2-D442-4928-8252-19052E5A2346}" dt="2025-05-12T18:47:07.566" v="386" actId="1036"/>
+        <pc:sldMkLst>
+          <pc:docMk/>
+          <pc:sldMk cId="378736039" sldId="261"/>
+        </pc:sldMkLst>
+        <pc:spChg chg="mod">
+          <ac:chgData name="BRIAN WAWERU" userId="3fb8e1fabb4e43de" providerId="LiveId" clId="{76A7ECB2-D442-4928-8252-19052E5A2346}" dt="2025-05-12T18:46:24.554" v="374" actId="1076"/>
+          <ac:spMkLst>
+            <pc:docMk/>
+            <pc:sldMk cId="378736039" sldId="261"/>
+            <ac:spMk id="2" creationId="{F5F9A314-0380-75F2-1A26-55BBD5E25EDF}"/>
+          </ac:spMkLst>
+        </pc:spChg>
+        <pc:spChg chg="add del mod">
+          <ac:chgData name="BRIAN WAWERU" userId="3fb8e1fabb4e43de" providerId="LiveId" clId="{76A7ECB2-D442-4928-8252-19052E5A2346}" dt="2025-05-12T18:46:49.624" v="378" actId="14100"/>
+          <ac:spMkLst>
+            <pc:docMk/>
+            <pc:sldMk cId="378736039" sldId="261"/>
+            <ac:spMk id="3" creationId="{7F271835-31D4-10E5-85A6-2124EDA26EB8}"/>
+          </ac:spMkLst>
+        </pc:spChg>
+        <pc:spChg chg="add mod">
+          <ac:chgData name="BRIAN WAWERU" userId="3fb8e1fabb4e43de" providerId="LiveId" clId="{76A7ECB2-D442-4928-8252-19052E5A2346}" dt="2025-05-12T18:39:07.774" v="294"/>
+          <ac:spMkLst>
+            <pc:docMk/>
+            <pc:sldMk cId="378736039" sldId="261"/>
+            <ac:spMk id="4" creationId="{E4BF428E-7FC6-DADA-0877-2D89C316B5E4}"/>
+          </ac:spMkLst>
+        </pc:spChg>
+        <pc:picChg chg="add mod">
+          <ac:chgData name="BRIAN WAWERU" userId="3fb8e1fabb4e43de" providerId="LiveId" clId="{76A7ECB2-D442-4928-8252-19052E5A2346}" dt="2025-05-12T18:47:07.566" v="386" actId="1036"/>
+          <ac:picMkLst>
+            <pc:docMk/>
+            <pc:sldMk cId="378736039" sldId="261"/>
+            <ac:picMk id="6" creationId="{CE1895B4-14C8-0572-21EB-EF6253B40464}"/>
+          </ac:picMkLst>
+        </pc:picChg>
+      </pc:sldChg>
+      <pc:sldChg chg="addSp delSp modSp add mod ord">
+        <pc:chgData name="BRIAN WAWERU" userId="3fb8e1fabb4e43de" providerId="LiveId" clId="{76A7ECB2-D442-4928-8252-19052E5A2346}" dt="2025-05-12T19:00:21.784" v="686" actId="14100"/>
+        <pc:sldMkLst>
+          <pc:docMk/>
+          <pc:sldMk cId="1243140724" sldId="262"/>
+        </pc:sldMkLst>
+        <pc:spChg chg="mod">
+          <ac:chgData name="BRIAN WAWERU" userId="3fb8e1fabb4e43de" providerId="LiveId" clId="{76A7ECB2-D442-4928-8252-19052E5A2346}" dt="2025-05-12T19:00:21.784" v="686" actId="14100"/>
+          <ac:spMkLst>
+            <pc:docMk/>
+            <pc:sldMk cId="1243140724" sldId="262"/>
+            <ac:spMk id="2" creationId="{F9252948-DAB6-3F14-F0AF-8BF7650D47A8}"/>
+          </ac:spMkLst>
+        </pc:spChg>
+        <pc:spChg chg="add del mod">
+          <ac:chgData name="BRIAN WAWERU" userId="3fb8e1fabb4e43de" providerId="LiveId" clId="{76A7ECB2-D442-4928-8252-19052E5A2346}" dt="2025-05-12T19:00:15.664" v="684" actId="1076"/>
+          <ac:spMkLst>
+            <pc:docMk/>
+            <pc:sldMk cId="1243140724" sldId="262"/>
+            <ac:spMk id="3" creationId="{98D2CC1E-2AFF-2FC6-36C6-16F91BABD80F}"/>
+          </ac:spMkLst>
+        </pc:spChg>
+        <pc:spChg chg="add mod">
+          <ac:chgData name="BRIAN WAWERU" userId="3fb8e1fabb4e43de" providerId="LiveId" clId="{76A7ECB2-D442-4928-8252-19052E5A2346}" dt="2025-05-12T18:54:48.674" v="567"/>
+          <ac:spMkLst>
+            <pc:docMk/>
+            <pc:sldMk cId="1243140724" sldId="262"/>
+            <ac:spMk id="4" creationId="{8CFD7200-53AC-8EC5-9753-36D308E1F51A}"/>
+          </ac:spMkLst>
+        </pc:spChg>
+        <pc:spChg chg="add">
+          <ac:chgData name="BRIAN WAWERU" userId="3fb8e1fabb4e43de" providerId="LiveId" clId="{76A7ECB2-D442-4928-8252-19052E5A2346}" dt="2025-05-12T18:56:27.699" v="631"/>
+          <ac:spMkLst>
+            <pc:docMk/>
+            <pc:sldMk cId="1243140724" sldId="262"/>
+            <ac:spMk id="5" creationId="{F154B6A0-D395-E871-88D1-56D390B15EFD}"/>
+          </ac:spMkLst>
+        </pc:spChg>
+        <pc:spChg chg="add">
+          <ac:chgData name="BRIAN WAWERU" userId="3fb8e1fabb4e43de" providerId="LiveId" clId="{76A7ECB2-D442-4928-8252-19052E5A2346}" dt="2025-05-12T18:56:38.494" v="632"/>
+          <ac:spMkLst>
+            <pc:docMk/>
+            <pc:sldMk cId="1243140724" sldId="262"/>
+            <ac:spMk id="6" creationId="{87215D27-24F5-88FC-4BC7-6DBC09447A96}"/>
+          </ac:spMkLst>
+        </pc:spChg>
+        <pc:picChg chg="add mod">
+          <ac:chgData name="BRIAN WAWERU" userId="3fb8e1fabb4e43de" providerId="LiveId" clId="{76A7ECB2-D442-4928-8252-19052E5A2346}" dt="2025-05-12T19:00:18.872" v="685" actId="1076"/>
+          <ac:picMkLst>
+            <pc:docMk/>
+            <pc:sldMk cId="1243140724" sldId="262"/>
+            <ac:picMk id="8" creationId="{BF9DCB87-7E78-8868-BE1C-6F3F5D1569A9}"/>
+          </ac:picMkLst>
+        </pc:picChg>
+      </pc:sldChg>
+      <pc:sldChg chg="addSp delSp modSp new mod">
+        <pc:chgData name="BRIAN WAWERU" userId="3fb8e1fabb4e43de" providerId="LiveId" clId="{76A7ECB2-D442-4928-8252-19052E5A2346}" dt="2025-05-12T19:09:54.371" v="1082" actId="1035"/>
+        <pc:sldMkLst>
+          <pc:docMk/>
+          <pc:sldMk cId="1089508429" sldId="263"/>
+        </pc:sldMkLst>
+        <pc:spChg chg="del">
+          <ac:chgData name="BRIAN WAWERU" userId="3fb8e1fabb4e43de" providerId="LiveId" clId="{76A7ECB2-D442-4928-8252-19052E5A2346}" dt="2025-05-12T19:08:11.946" v="988"/>
+          <ac:spMkLst>
+            <pc:docMk/>
+            <pc:sldMk cId="1089508429" sldId="263"/>
+            <ac:spMk id="2" creationId="{33D461B0-FDE2-E3A0-E553-9383CB3B77E3}"/>
+          </ac:spMkLst>
+        </pc:spChg>
+        <pc:spChg chg="mod">
+          <ac:chgData name="BRIAN WAWERU" userId="3fb8e1fabb4e43de" providerId="LiveId" clId="{76A7ECB2-D442-4928-8252-19052E5A2346}" dt="2025-05-12T19:09:54.371" v="1082" actId="1035"/>
+          <ac:spMkLst>
+            <pc:docMk/>
+            <pc:sldMk cId="1089508429" sldId="263"/>
+            <ac:spMk id="3" creationId="{2215417C-3E59-65AF-0B40-4426DC8F8A1E}"/>
+          </ac:spMkLst>
+        </pc:spChg>
+        <pc:spChg chg="add mod">
+          <ac:chgData name="BRIAN WAWERU" userId="3fb8e1fabb4e43de" providerId="LiveId" clId="{76A7ECB2-D442-4928-8252-19052E5A2346}" dt="2025-05-12T19:09:54.371" v="1082" actId="1035"/>
+          <ac:spMkLst>
+            <pc:docMk/>
+            <pc:sldMk cId="1089508429" sldId="263"/>
+            <ac:spMk id="4" creationId="{9E2F069D-16A2-EA57-CEE2-B37E0AB66425}"/>
+          </ac:spMkLst>
+        </pc:spChg>
       </pc:sldChg>
     </pc:docChg>
   </pc:docChgLst>
 </pc:chgInfo>
+</file>
+
+<file path=ppt/notesMasters/notesMaster1.xml><?xml version="1.0" encoding="utf-8"?>
+<p:notesMaster xmlns:a="http://schemas.openxmlformats.org/drawingml/2006/main" xmlns:r="http://schemas.openxmlformats.org/officeDocument/2006/relationships" xmlns:p="http://schemas.openxmlformats.org/presentationml/2006/main">
+  <p:cSld>
+    <p:bg>
+      <p:bgRef idx="1001">
+        <a:schemeClr val="bg1"/>
+      </p:bgRef>
+    </p:bg>
+    <p:spTree>
+      <p:nvGrpSpPr>
+        <p:cNvPr id="1" name=""/>
+        <p:cNvGrpSpPr/>
+        <p:nvPr/>
+      </p:nvGrpSpPr>
+      <p:grpSpPr>
+        <a:xfrm>
+          <a:off x="0" y="0"/>
+          <a:ext cx="0" cy="0"/>
+          <a:chOff x="0" y="0"/>
+          <a:chExt cx="0" cy="0"/>
+        </a:xfrm>
+      </p:grpSpPr>
+      <p:sp>
+        <p:nvSpPr>
+          <p:cNvPr id="2" name="Header Placeholder 1"/>
+          <p:cNvSpPr>
+            <a:spLocks noGrp="1"/>
+          </p:cNvSpPr>
+          <p:nvPr>
+            <p:ph type="hdr" sz="quarter"/>
+          </p:nvPr>
+        </p:nvSpPr>
+        <p:spPr>
+          <a:xfrm>
+            <a:off x="0" y="0"/>
+            <a:ext cx="2971800" cy="458788"/>
+          </a:xfrm>
+          <a:prstGeom prst="rect">
+            <a:avLst/>
+          </a:prstGeom>
+        </p:spPr>
+        <p:txBody>
+          <a:bodyPr vert="horz" lIns="91440" tIns="45720" rIns="91440" bIns="45720" rtlCol="0"/>
+          <a:lstStyle>
+            <a:lvl1pPr algn="l">
+              <a:defRPr sz="1200"/>
+            </a:lvl1pPr>
+          </a:lstStyle>
+          <a:p>
+            <a:endParaRPr lang="en-KE"/>
+          </a:p>
+        </p:txBody>
+      </p:sp>
+      <p:sp>
+        <p:nvSpPr>
+          <p:cNvPr id="3" name="Date Placeholder 2"/>
+          <p:cNvSpPr>
+            <a:spLocks noGrp="1"/>
+          </p:cNvSpPr>
+          <p:nvPr>
+            <p:ph type="dt" idx="1"/>
+          </p:nvPr>
+        </p:nvSpPr>
+        <p:spPr>
+          <a:xfrm>
+            <a:off x="3884613" y="0"/>
+            <a:ext cx="2971800" cy="458788"/>
+          </a:xfrm>
+          <a:prstGeom prst="rect">
+            <a:avLst/>
+          </a:prstGeom>
+        </p:spPr>
+        <p:txBody>
+          <a:bodyPr vert="horz" lIns="91440" tIns="45720" rIns="91440" bIns="45720" rtlCol="0"/>
+          <a:lstStyle>
+            <a:lvl1pPr algn="r">
+              <a:defRPr sz="1200"/>
+            </a:lvl1pPr>
+          </a:lstStyle>
+          <a:p>
+            <a:fld id="{9F6E52DC-703D-4B0A-9A75-7BC2206906F9}" type="datetimeFigureOut">
+              <a:rPr lang="en-KE" smtClean="0"/>
+              <a:t>12/05/2025</a:t>
+            </a:fld>
+            <a:endParaRPr lang="en-KE"/>
+          </a:p>
+        </p:txBody>
+      </p:sp>
+      <p:sp>
+        <p:nvSpPr>
+          <p:cNvPr id="4" name="Slide Image Placeholder 3"/>
+          <p:cNvSpPr>
+            <a:spLocks noGrp="1" noRot="1" noChangeAspect="1"/>
+          </p:cNvSpPr>
+          <p:nvPr>
+            <p:ph type="sldImg" idx="2"/>
+          </p:nvPr>
+        </p:nvSpPr>
+        <p:spPr>
+          <a:xfrm>
+            <a:off x="685800" y="1143000"/>
+            <a:ext cx="5486400" cy="3086100"/>
+          </a:xfrm>
+          <a:prstGeom prst="rect">
+            <a:avLst/>
+          </a:prstGeom>
+          <a:noFill/>
+          <a:ln w="12700">
+            <a:solidFill>
+              <a:prstClr val="black"/>
+            </a:solidFill>
+          </a:ln>
+        </p:spPr>
+        <p:txBody>
+          <a:bodyPr vert="horz" lIns="91440" tIns="45720" rIns="91440" bIns="45720" rtlCol="0" anchor="ctr"/>
+          <a:lstStyle/>
+          <a:p>
+            <a:endParaRPr lang="en-KE"/>
+          </a:p>
+        </p:txBody>
+      </p:sp>
+      <p:sp>
+        <p:nvSpPr>
+          <p:cNvPr id="5" name="Notes Placeholder 4"/>
+          <p:cNvSpPr>
+            <a:spLocks noGrp="1"/>
+          </p:cNvSpPr>
+          <p:nvPr>
+            <p:ph type="body" sz="quarter" idx="3"/>
+          </p:nvPr>
+        </p:nvSpPr>
+        <p:spPr>
+          <a:xfrm>
+            <a:off x="685800" y="4400550"/>
+            <a:ext cx="5486400" cy="3600450"/>
+          </a:xfrm>
+          <a:prstGeom prst="rect">
+            <a:avLst/>
+          </a:prstGeom>
+        </p:spPr>
+        <p:txBody>
+          <a:bodyPr vert="horz" lIns="91440" tIns="45720" rIns="91440" bIns="45720" rtlCol="0"/>
+          <a:lstStyle/>
+          <a:p>
+            <a:pPr lvl="0"/>
+            <a:r>
+              <a:rPr lang="en-US"/>
+              <a:t>Click to edit Master text styles</a:t>
+            </a:r>
+          </a:p>
+          <a:p>
+            <a:pPr lvl="1"/>
+            <a:r>
+              <a:rPr lang="en-US"/>
+              <a:t>Second level</a:t>
+            </a:r>
+          </a:p>
+          <a:p>
+            <a:pPr lvl="2"/>
+            <a:r>
+              <a:rPr lang="en-US"/>
+              <a:t>Third level</a:t>
+            </a:r>
+          </a:p>
+          <a:p>
+            <a:pPr lvl="3"/>
+            <a:r>
+              <a:rPr lang="en-US"/>
+              <a:t>Fourth level</a:t>
+            </a:r>
+          </a:p>
+          <a:p>
+            <a:pPr lvl="4"/>
+            <a:r>
+              <a:rPr lang="en-US"/>
+              <a:t>Fifth level</a:t>
+            </a:r>
+            <a:endParaRPr lang="en-KE"/>
+          </a:p>
+        </p:txBody>
+      </p:sp>
+      <p:sp>
+        <p:nvSpPr>
+          <p:cNvPr id="6" name="Footer Placeholder 5"/>
+          <p:cNvSpPr>
+            <a:spLocks noGrp="1"/>
+          </p:cNvSpPr>
+          <p:nvPr>
+            <p:ph type="ftr" sz="quarter" idx="4"/>
+          </p:nvPr>
+        </p:nvSpPr>
+        <p:spPr>
+          <a:xfrm>
+            <a:off x="0" y="8685213"/>
+            <a:ext cx="2971800" cy="458787"/>
+          </a:xfrm>
+          <a:prstGeom prst="rect">
+            <a:avLst/>
+          </a:prstGeom>
+        </p:spPr>
+        <p:txBody>
+          <a:bodyPr vert="horz" lIns="91440" tIns="45720" rIns="91440" bIns="45720" rtlCol="0" anchor="b"/>
+          <a:lstStyle>
+            <a:lvl1pPr algn="l">
+              <a:defRPr sz="1200"/>
+            </a:lvl1pPr>
+          </a:lstStyle>
+          <a:p>
+            <a:endParaRPr lang="en-KE"/>
+          </a:p>
+        </p:txBody>
+      </p:sp>
+      <p:sp>
+        <p:nvSpPr>
+          <p:cNvPr id="7" name="Slide Number Placeholder 6"/>
+          <p:cNvSpPr>
+            <a:spLocks noGrp="1"/>
+          </p:cNvSpPr>
+          <p:nvPr>
+            <p:ph type="sldNum" sz="quarter" idx="5"/>
+          </p:nvPr>
+        </p:nvSpPr>
+        <p:spPr>
+          <a:xfrm>
+            <a:off x="3884613" y="8685213"/>
+            <a:ext cx="2971800" cy="458787"/>
+          </a:xfrm>
+          <a:prstGeom prst="rect">
+            <a:avLst/>
+          </a:prstGeom>
+        </p:spPr>
+        <p:txBody>
+          <a:bodyPr vert="horz" lIns="91440" tIns="45720" rIns="91440" bIns="45720" rtlCol="0" anchor="b"/>
+          <a:lstStyle>
+            <a:lvl1pPr algn="r">
+              <a:defRPr sz="1200"/>
+            </a:lvl1pPr>
+          </a:lstStyle>
+          <a:p>
+            <a:fld id="{CA18E577-76D2-4EF8-9F19-F6380888ED6E}" type="slidenum">
+              <a:rPr lang="en-KE" smtClean="0"/>
+              <a:t>‹#›</a:t>
+            </a:fld>
+            <a:endParaRPr lang="en-KE"/>
+          </a:p>
+        </p:txBody>
+      </p:sp>
+    </p:spTree>
+    <p:extLst>
+      <p:ext uri="{BB962C8B-B14F-4D97-AF65-F5344CB8AC3E}">
+        <p14:creationId xmlns:p14="http://schemas.microsoft.com/office/powerpoint/2010/main" val="1125203080"/>
+      </p:ext>
+    </p:extLst>
+  </p:cSld>
+  <p:clrMap bg1="lt1" tx1="dk1" bg2="lt2" tx2="dk2" accent1="accent1" accent2="accent2" accent3="accent3" accent4="accent4" accent5="accent5" accent6="accent6" hlink="hlink" folHlink="folHlink"/>
+  <p:notesStyle>
+    <a:lvl1pPr marL="0" algn="l" defTabSz="914400" rtl="0" eaLnBrk="1" latinLnBrk="0" hangingPunct="1">
+      <a:defRPr sz="1200" kern="1200">
+        <a:solidFill>
+          <a:schemeClr val="tx1"/>
+        </a:solidFill>
+        <a:latin typeface="+mn-lt"/>
+        <a:ea typeface="+mn-ea"/>
+        <a:cs typeface="+mn-cs"/>
+      </a:defRPr>
+    </a:lvl1pPr>
+    <a:lvl2pPr marL="457200" algn="l" defTabSz="914400" rtl="0" eaLnBrk="1" latinLnBrk="0" hangingPunct="1">
+      <a:defRPr sz="1200" kern="1200">
+        <a:solidFill>
+          <a:schemeClr val="tx1"/>
+        </a:solidFill>
+        <a:latin typeface="+mn-lt"/>
+        <a:ea typeface="+mn-ea"/>
+        <a:cs typeface="+mn-cs"/>
+      </a:defRPr>
+    </a:lvl2pPr>
+    <a:lvl3pPr marL="914400" algn="l" defTabSz="914400" rtl="0" eaLnBrk="1" latinLnBrk="0" hangingPunct="1">
+      <a:defRPr sz="1200" kern="1200">
+        <a:solidFill>
+          <a:schemeClr val="tx1"/>
+        </a:solidFill>
+        <a:latin typeface="+mn-lt"/>
+        <a:ea typeface="+mn-ea"/>
+        <a:cs typeface="+mn-cs"/>
+      </a:defRPr>
+    </a:lvl3pPr>
+    <a:lvl4pPr marL="1371600" algn="l" defTabSz="914400" rtl="0" eaLnBrk="1" latinLnBrk="0" hangingPunct="1">
+      <a:defRPr sz="1200" kern="1200">
+        <a:solidFill>
+          <a:schemeClr val="tx1"/>
+        </a:solidFill>
+        <a:latin typeface="+mn-lt"/>
+        <a:ea typeface="+mn-ea"/>
+        <a:cs typeface="+mn-cs"/>
+      </a:defRPr>
+    </a:lvl4pPr>
+    <a:lvl5pPr marL="1828800" algn="l" defTabSz="914400" rtl="0" eaLnBrk="1" latinLnBrk="0" hangingPunct="1">
+      <a:defRPr sz="1200" kern="1200">
+        <a:solidFill>
+          <a:schemeClr val="tx1"/>
+        </a:solidFill>
+        <a:latin typeface="+mn-lt"/>
+        <a:ea typeface="+mn-ea"/>
+        <a:cs typeface="+mn-cs"/>
+      </a:defRPr>
+    </a:lvl5pPr>
+    <a:lvl6pPr marL="2286000" algn="l" defTabSz="914400" rtl="0" eaLnBrk="1" latinLnBrk="0" hangingPunct="1">
+      <a:defRPr sz="1200" kern="1200">
+        <a:solidFill>
+          <a:schemeClr val="tx1"/>
+        </a:solidFill>
+        <a:latin typeface="+mn-lt"/>
+        <a:ea typeface="+mn-ea"/>
+        <a:cs typeface="+mn-cs"/>
+      </a:defRPr>
+    </a:lvl6pPr>
+    <a:lvl7pPr marL="2743200" algn="l" defTabSz="914400" rtl="0" eaLnBrk="1" latinLnBrk="0" hangingPunct="1">
+      <a:defRPr sz="1200" kern="1200">
+        <a:solidFill>
+          <a:schemeClr val="tx1"/>
+        </a:solidFill>
+        <a:latin typeface="+mn-lt"/>
+        <a:ea typeface="+mn-ea"/>
+        <a:cs typeface="+mn-cs"/>
+      </a:defRPr>
+    </a:lvl7pPr>
+    <a:lvl8pPr marL="3200400" algn="l" defTabSz="914400" rtl="0" eaLnBrk="1" latinLnBrk="0" hangingPunct="1">
+      <a:defRPr sz="1200" kern="1200">
+        <a:solidFill>
+          <a:schemeClr val="tx1"/>
+        </a:solidFill>
+        <a:latin typeface="+mn-lt"/>
+        <a:ea typeface="+mn-ea"/>
+        <a:cs typeface="+mn-cs"/>
+      </a:defRPr>
+    </a:lvl8pPr>
+    <a:lvl9pPr marL="3657600" algn="l" defTabSz="914400" rtl="0" eaLnBrk="1" latinLnBrk="0" hangingPunct="1">
+      <a:defRPr sz="1200" kern="1200">
+        <a:solidFill>
+          <a:schemeClr val="tx1"/>
+        </a:solidFill>
+        <a:latin typeface="+mn-lt"/>
+        <a:ea typeface="+mn-ea"/>
+        <a:cs typeface="+mn-cs"/>
+      </a:defRPr>
+    </a:lvl9pPr>
+  </p:notesStyle>
+</p:notesMaster>
+</file>
+
+<file path=ppt/notesSlides/notesSlide1.xml><?xml version="1.0" encoding="utf-8"?>
+<p:notes xmlns:a="http://schemas.openxmlformats.org/drawingml/2006/main" xmlns:r="http://schemas.openxmlformats.org/officeDocument/2006/relationships" xmlns:p="http://schemas.openxmlformats.org/presentationml/2006/main">
+  <p:cSld>
+    <p:spTree>
+      <p:nvGrpSpPr>
+        <p:cNvPr id="1" name=""/>
+        <p:cNvGrpSpPr/>
+        <p:nvPr/>
+      </p:nvGrpSpPr>
+      <p:grpSpPr>
+        <a:xfrm>
+          <a:off x="0" y="0"/>
+          <a:ext cx="0" cy="0"/>
+          <a:chOff x="0" y="0"/>
+          <a:chExt cx="0" cy="0"/>
+        </a:xfrm>
+      </p:grpSpPr>
+      <p:sp>
+        <p:nvSpPr>
+          <p:cNvPr id="2" name="Slide Image Placeholder 1"/>
+          <p:cNvSpPr>
+            <a:spLocks noGrp="1" noRot="1" noChangeAspect="1"/>
+          </p:cNvSpPr>
+          <p:nvPr>
+            <p:ph type="sldImg"/>
+          </p:nvPr>
+        </p:nvSpPr>
+        <p:spPr/>
+      </p:sp>
+      <p:sp>
+        <p:nvSpPr>
+          <p:cNvPr id="3" name="Notes Placeholder 2"/>
+          <p:cNvSpPr>
+            <a:spLocks noGrp="1"/>
+          </p:cNvSpPr>
+          <p:nvPr>
+            <p:ph type="body" idx="1"/>
+          </p:nvPr>
+        </p:nvSpPr>
+        <p:spPr/>
+        <p:txBody>
+          <a:bodyPr/>
+          <a:lstStyle/>
+          <a:p>
+            <a:endParaRPr lang="en-KE" dirty="0"/>
+          </a:p>
+        </p:txBody>
+      </p:sp>
+      <p:sp>
+        <p:nvSpPr>
+          <p:cNvPr id="4" name="Slide Number Placeholder 3"/>
+          <p:cNvSpPr>
+            <a:spLocks noGrp="1"/>
+          </p:cNvSpPr>
+          <p:nvPr>
+            <p:ph type="sldNum" sz="quarter" idx="5"/>
+          </p:nvPr>
+        </p:nvSpPr>
+        <p:spPr/>
+        <p:txBody>
+          <a:bodyPr/>
+          <a:lstStyle/>
+          <a:p>
+            <a:fld id="{CA18E577-76D2-4EF8-9F19-F6380888ED6E}" type="slidenum">
+              <a:rPr lang="en-KE" smtClean="0"/>
+              <a:t>1</a:t>
+            </a:fld>
+            <a:endParaRPr lang="en-KE"/>
+          </a:p>
+        </p:txBody>
+      </p:sp>
+    </p:spTree>
+    <p:extLst>
+      <p:ext uri="{BB962C8B-B14F-4D97-AF65-F5344CB8AC3E}">
+        <p14:creationId xmlns:p14="http://schemas.microsoft.com/office/powerpoint/2010/main" val="3115797124"/>
+      </p:ext>
+    </p:extLst>
+  </p:cSld>
+  <p:clrMapOvr>
+    <a:masterClrMapping/>
+  </p:clrMapOvr>
+</p:notes>
 </file>
 
 <file path=ppt/slideLayouts/slideLayout1.xml><?xml version="1.0" encoding="utf-8"?>
@@ -301,7 +1023,7 @@
           <a:p>
             <a:fld id="{E3B53FFA-FB96-4FC4-B266-9016C3ED365F}" type="datetimeFigureOut">
               <a:rPr lang="en-KE" smtClean="0"/>
-              <a:t>08/05/2025</a:t>
+              <a:t>12/05/2025</a:t>
             </a:fld>
             <a:endParaRPr lang="en-KE"/>
           </a:p>
@@ -501,7 +1223,7 @@
           <a:p>
             <a:fld id="{E3B53FFA-FB96-4FC4-B266-9016C3ED365F}" type="datetimeFigureOut">
               <a:rPr lang="en-KE" smtClean="0"/>
-              <a:t>08/05/2025</a:t>
+              <a:t>12/05/2025</a:t>
             </a:fld>
             <a:endParaRPr lang="en-KE"/>
           </a:p>
@@ -711,7 +1433,7 @@
           <a:p>
             <a:fld id="{E3B53FFA-FB96-4FC4-B266-9016C3ED365F}" type="datetimeFigureOut">
               <a:rPr lang="en-KE" smtClean="0"/>
-              <a:t>08/05/2025</a:t>
+              <a:t>12/05/2025</a:t>
             </a:fld>
             <a:endParaRPr lang="en-KE"/>
           </a:p>
@@ -911,7 +1633,7 @@
           <a:p>
             <a:fld id="{E3B53FFA-FB96-4FC4-B266-9016C3ED365F}" type="datetimeFigureOut">
               <a:rPr lang="en-KE" smtClean="0"/>
-              <a:t>08/05/2025</a:t>
+              <a:t>12/05/2025</a:t>
             </a:fld>
             <a:endParaRPr lang="en-KE"/>
           </a:p>
@@ -1187,7 +1909,7 @@
           <a:p>
             <a:fld id="{E3B53FFA-FB96-4FC4-B266-9016C3ED365F}" type="datetimeFigureOut">
               <a:rPr lang="en-KE" smtClean="0"/>
-              <a:t>08/05/2025</a:t>
+              <a:t>12/05/2025</a:t>
             </a:fld>
             <a:endParaRPr lang="en-KE"/>
           </a:p>
@@ -1455,7 +2177,7 @@
           <a:p>
             <a:fld id="{E3B53FFA-FB96-4FC4-B266-9016C3ED365F}" type="datetimeFigureOut">
               <a:rPr lang="en-KE" smtClean="0"/>
-              <a:t>08/05/2025</a:t>
+              <a:t>12/05/2025</a:t>
             </a:fld>
             <a:endParaRPr lang="en-KE"/>
           </a:p>
@@ -1870,7 +2592,7 @@
           <a:p>
             <a:fld id="{E3B53FFA-FB96-4FC4-B266-9016C3ED365F}" type="datetimeFigureOut">
               <a:rPr lang="en-KE" smtClean="0"/>
-              <a:t>08/05/2025</a:t>
+              <a:t>12/05/2025</a:t>
             </a:fld>
             <a:endParaRPr lang="en-KE"/>
           </a:p>
@@ -2012,7 +2734,7 @@
           <a:p>
             <a:fld id="{E3B53FFA-FB96-4FC4-B266-9016C3ED365F}" type="datetimeFigureOut">
               <a:rPr lang="en-KE" smtClean="0"/>
-              <a:t>08/05/2025</a:t>
+              <a:t>12/05/2025</a:t>
             </a:fld>
             <a:endParaRPr lang="en-KE"/>
           </a:p>
@@ -2125,7 +2847,7 @@
           <a:p>
             <a:fld id="{E3B53FFA-FB96-4FC4-B266-9016C3ED365F}" type="datetimeFigureOut">
               <a:rPr lang="en-KE" smtClean="0"/>
-              <a:t>08/05/2025</a:t>
+              <a:t>12/05/2025</a:t>
             </a:fld>
             <a:endParaRPr lang="en-KE"/>
           </a:p>
@@ -2438,7 +3160,7 @@
           <a:p>
             <a:fld id="{E3B53FFA-FB96-4FC4-B266-9016C3ED365F}" type="datetimeFigureOut">
               <a:rPr lang="en-KE" smtClean="0"/>
-              <a:t>08/05/2025</a:t>
+              <a:t>12/05/2025</a:t>
             </a:fld>
             <a:endParaRPr lang="en-KE"/>
           </a:p>
@@ -2727,7 +3449,7 @@
           <a:p>
             <a:fld id="{E3B53FFA-FB96-4FC4-B266-9016C3ED365F}" type="datetimeFigureOut">
               <a:rPr lang="en-KE" smtClean="0"/>
-              <a:t>08/05/2025</a:t>
+              <a:t>12/05/2025</a:t>
             </a:fld>
             <a:endParaRPr lang="en-KE"/>
           </a:p>
@@ -2970,7 +3692,7 @@
           <a:p>
             <a:fld id="{E3B53FFA-FB96-4FC4-B266-9016C3ED365F}" type="datetimeFigureOut">
               <a:rPr lang="en-KE" smtClean="0"/>
-              <a:t>08/05/2025</a:t>
+              <a:t>12/05/2025</a:t>
             </a:fld>
             <a:endParaRPr lang="en-KE"/>
           </a:p>
@@ -3404,6 +4126,10 @@
           </p:nvPr>
         </p:nvSpPr>
         <p:spPr>
+          <a:xfrm>
+            <a:off x="642710" y="2115599"/>
+            <a:ext cx="11064240" cy="2387600"/>
+          </a:xfrm>
           <a:solidFill>
             <a:schemeClr val="accent1">
               <a:lumMod val="75000"/>
@@ -3411,14 +4137,26 @@
           </a:solidFill>
         </p:spPr>
         <p:txBody>
-          <a:bodyPr/>
-          <a:lstStyle/>
-          <a:p>
-            <a:r>
+          <a:bodyPr>
+            <a:normAutofit fontScale="90000"/>
+          </a:bodyPr>
+          <a:lstStyle/>
+          <a:p>
+            <a:br>
               <a:rPr lang="en-GB" b="1" dirty="0">
                 <a:latin typeface="Albertus Medium" panose="020E0602030304020304" pitchFamily="34" charset="0"/>
               </a:rPr>
-              <a:t>End of Phase 3 Project</a:t>
+            </a:br>
+            <a:br>
+              <a:rPr lang="en-GB" b="1" dirty="0">
+                <a:latin typeface="Albertus Medium" panose="020E0602030304020304" pitchFamily="34" charset="0"/>
+              </a:rPr>
+            </a:br>
+            <a:r>
+              <a:rPr lang="en-GB" b="1" dirty="0">
+                <a:latin typeface="Albertus Medium" panose="020E0602030304020304" pitchFamily="34" charset="0"/>
+              </a:rPr>
+              <a:t>Churning Model for Telcom Company</a:t>
             </a:r>
             <a:endParaRPr lang="en-KE" b="1" dirty="0">
               <a:latin typeface="Albertus Medium" panose="020E0602030304020304" pitchFamily="34" charset="0"/>
@@ -3426,6 +4164,42 @@
           </a:p>
         </p:txBody>
       </p:sp>
+      <p:pic>
+        <p:nvPicPr>
+          <p:cNvPr id="5" name="Picture 4">
+            <a:extLst>
+              <a:ext uri="{FF2B5EF4-FFF2-40B4-BE49-F238E27FC236}">
+                <a16:creationId xmlns:a16="http://schemas.microsoft.com/office/drawing/2014/main" id="{7E58D247-14F9-266A-5CAC-EF59D4778CF4}"/>
+              </a:ext>
+            </a:extLst>
+          </p:cNvPr>
+          <p:cNvPicPr>
+            <a:picLocks noChangeAspect="1"/>
+          </p:cNvPicPr>
+          <p:nvPr/>
+        </p:nvPicPr>
+        <p:blipFill>
+          <a:blip r:embed="rId3">
+            <a:extLst>
+              <a:ext uri="{28A0092B-C50C-407E-A947-70E740481C1C}">
+                <a14:useLocalDpi xmlns:a14="http://schemas.microsoft.com/office/drawing/2010/main" val="0"/>
+              </a:ext>
+            </a:extLst>
+          </a:blip>
+          <a:stretch>
+            <a:fillRect/>
+          </a:stretch>
+        </p:blipFill>
+        <p:spPr>
+          <a:xfrm>
+            <a:off x="-232166" y="-173182"/>
+            <a:ext cx="4914523" cy="4680135"/>
+          </a:xfrm>
+          <a:prstGeom prst="rect">
+            <a:avLst/>
+          </a:prstGeom>
+        </p:spPr>
+      </p:pic>
       <p:sp>
         <p:nvSpPr>
           <p:cNvPr id="3" name="Subtitle 2">
@@ -3443,6 +4217,10 @@
           </p:nvPr>
         </p:nvSpPr>
         <p:spPr>
+          <a:xfrm>
+            <a:off x="642710" y="4595274"/>
+            <a:ext cx="11064240" cy="1655762"/>
+          </a:xfrm>
           <a:solidFill>
             <a:schemeClr val="accent1">
               <a:lumMod val="60000"/>
@@ -3455,14 +4233,18 @@
           <a:lstStyle/>
           <a:p>
             <a:r>
+              <a:rPr lang="en-GB" b="1" dirty="0"/>
+              <a:t>Contributors: </a:t>
+            </a:r>
+            <a:r>
               <a:rPr lang="en-GB" dirty="0"/>
-              <a:t>Contributors: Brian-Waweru</a:t>
+              <a:t>Brian-Waweru</a:t>
             </a:r>
             <a:br>
               <a:rPr lang="en-GB" dirty="0"/>
             </a:br>
             <a:r>
-              <a:rPr lang="en-GB" dirty="0"/>
+              <a:rPr lang="en-GB" b="1" dirty="0"/>
               <a:t>GitHub: </a:t>
             </a:r>
             <a:r>
@@ -3473,12 +4255,115 @@
               <a:rPr lang="en-GB" dirty="0"/>
             </a:br>
             <a:r>
+              <a:rPr lang="en-GB" b="1" dirty="0"/>
+              <a:t>email: </a:t>
+            </a:r>
+            <a:r>
               <a:rPr lang="en-GB" dirty="0"/>
-              <a:t>email: rurigiwaweru@gmail.com</a:t>
+              <a:t>rurigiwaweru@gmail.com</a:t>
             </a:r>
           </a:p>
           <a:p>
             <a:endParaRPr lang="en-KE" dirty="0"/>
+          </a:p>
+        </p:txBody>
+      </p:sp>
+      <p:pic>
+        <p:nvPicPr>
+          <p:cNvPr id="7" name="Picture 6">
+            <a:extLst>
+              <a:ext uri="{FF2B5EF4-FFF2-40B4-BE49-F238E27FC236}">
+                <a16:creationId xmlns:a16="http://schemas.microsoft.com/office/drawing/2014/main" id="{2AA4E2BA-9543-04A6-4C7B-0C24F4EBDA68}"/>
+              </a:ext>
+            </a:extLst>
+          </p:cNvPr>
+          <p:cNvPicPr>
+            <a:picLocks noChangeAspect="1"/>
+          </p:cNvPicPr>
+          <p:nvPr/>
+        </p:nvPicPr>
+        <p:blipFill>
+          <a:blip r:embed="rId4">
+            <a:extLst>
+              <a:ext uri="{28A0092B-C50C-407E-A947-70E740481C1C}">
+                <a14:useLocalDpi xmlns:a14="http://schemas.microsoft.com/office/drawing/2010/main" val="0"/>
+              </a:ext>
+            </a:extLst>
+          </a:blip>
+          <a:stretch>
+            <a:fillRect/>
+          </a:stretch>
+        </p:blipFill>
+        <p:spPr>
+          <a:xfrm>
+            <a:off x="8578740" y="481040"/>
+            <a:ext cx="2402992" cy="5769996"/>
+          </a:xfrm>
+          <a:prstGeom prst="rect">
+            <a:avLst/>
+          </a:prstGeom>
+        </p:spPr>
+      </p:pic>
+      <p:sp>
+        <p:nvSpPr>
+          <p:cNvPr id="8" name="Rectangle 7">
+            <a:extLst>
+              <a:ext uri="{FF2B5EF4-FFF2-40B4-BE49-F238E27FC236}">
+                <a16:creationId xmlns:a16="http://schemas.microsoft.com/office/drawing/2014/main" id="{92AEDD8E-CEBD-DD29-E51D-1B98A56E7DB6}"/>
+              </a:ext>
+            </a:extLst>
+          </p:cNvPr>
+          <p:cNvSpPr/>
+          <p:nvPr/>
+        </p:nvSpPr>
+        <p:spPr>
+          <a:xfrm>
+            <a:off x="3887684" y="1100194"/>
+            <a:ext cx="5892552" cy="923330"/>
+          </a:xfrm>
+          <a:prstGeom prst="rect">
+            <a:avLst/>
+          </a:prstGeom>
+          <a:noFill/>
+        </p:spPr>
+        <p:txBody>
+          <a:bodyPr wrap="square" lIns="91440" tIns="45720" rIns="91440" bIns="45720">
+            <a:spAutoFit/>
+          </a:bodyPr>
+          <a:lstStyle/>
+          <a:p>
+            <a:pPr algn="ctr"/>
+            <a:r>
+              <a:rPr lang="en-US" sz="5400" b="1" cap="none" spc="0" dirty="0">
+                <a:ln w="12700">
+                  <a:solidFill>
+                    <a:schemeClr val="tx2">
+                      <a:lumMod val="75000"/>
+                    </a:schemeClr>
+                  </a:solidFill>
+                  <a:prstDash val="solid"/>
+                </a:ln>
+                <a:pattFill prst="dkUpDiag">
+                  <a:fgClr>
+                    <a:schemeClr val="tx2"/>
+                  </a:fgClr>
+                  <a:bgClr>
+                    <a:schemeClr val="tx2">
+                      <a:lumMod val="20000"/>
+                      <a:lumOff val="80000"/>
+                    </a:schemeClr>
+                  </a:bgClr>
+                </a:pattFill>
+                <a:effectLst>
+                  <a:outerShdw dist="38100" dir="2640000" algn="bl" rotWithShape="0">
+                    <a:schemeClr val="tx2">
+                      <a:lumMod val="75000"/>
+                    </a:schemeClr>
+                  </a:outerShdw>
+                </a:effectLst>
+              </a:rPr>
+              <a:t>SyriaTel Co Ltd.</a:t>
+            </a:r>
           </a:p>
         </p:txBody>
       </p:sp>
@@ -3528,44 +4413,1419 @@
             <p:ph type="title"/>
           </p:nvPr>
         </p:nvSpPr>
-        <p:spPr/>
-        <p:txBody>
-          <a:bodyPr/>
-          <a:lstStyle/>
-          <a:p>
+        <p:spPr>
+          <a:xfrm>
+            <a:off x="409903" y="299545"/>
+            <a:ext cx="11430000" cy="1529256"/>
+          </a:xfrm>
+          <a:solidFill>
+            <a:srgbClr val="7030A0"/>
+          </a:solidFill>
+        </p:spPr>
+        <p:txBody>
+          <a:bodyPr>
+            <a:normAutofit/>
+          </a:bodyPr>
+          <a:lstStyle/>
+          <a:p>
+            <a:r>
+              <a:rPr lang="en-US" sz="6000" b="1" dirty="0"/>
+              <a:t>  Overview</a:t>
+            </a:r>
+            <a:endParaRPr lang="en-KE" sz="6000" dirty="0"/>
+          </a:p>
+        </p:txBody>
+      </p:sp>
+      <p:sp>
+        <p:nvSpPr>
+          <p:cNvPr id="3" name="Content Placeholder 2">
+            <a:extLst>
+              <a:ext uri="{FF2B5EF4-FFF2-40B4-BE49-F238E27FC236}">
+                <a16:creationId xmlns:a16="http://schemas.microsoft.com/office/drawing/2014/main" id="{B96C2B88-1420-F599-52DB-20AE109F9956}"/>
+              </a:ext>
+            </a:extLst>
+          </p:cNvPr>
+          <p:cNvSpPr>
+            <a:spLocks noGrp="1"/>
+          </p:cNvSpPr>
+          <p:nvPr>
+            <p:ph idx="1"/>
+          </p:nvPr>
+        </p:nvSpPr>
+        <p:spPr>
+          <a:xfrm>
+            <a:off x="5171089" y="1891865"/>
+            <a:ext cx="6668813" cy="4303986"/>
+          </a:xfrm>
+          <a:solidFill>
+            <a:schemeClr val="accent1">
+              <a:lumMod val="20000"/>
+              <a:lumOff val="80000"/>
+            </a:schemeClr>
+          </a:solidFill>
+        </p:spPr>
+        <p:txBody>
+          <a:bodyPr>
+            <a:normAutofit fontScale="85000" lnSpcReduction="10000"/>
+          </a:bodyPr>
+          <a:lstStyle/>
+          <a:p>
+            <a:pPr marL="0" indent="0" algn="just">
+              <a:buNone/>
+            </a:pPr>
+            <a:r>
+              <a:rPr lang="en-GB" sz="3600" dirty="0"/>
+              <a:t>We aims to predict customer churn for </a:t>
+            </a:r>
+            <a:r>
+              <a:rPr lang="en-GB" sz="3800" b="1" i="1" dirty="0" err="1">
+                <a:solidFill>
+                  <a:schemeClr val="accent6"/>
+                </a:solidFill>
+              </a:rPr>
+              <a:t>SyriaTel</a:t>
+            </a:r>
+            <a:r>
+              <a:rPr lang="en-GB" sz="3600" dirty="0"/>
+              <a:t> using a sample of their historical customer data. By building a binary classification model we were able to identify patterns and factors that influence whether a customer will leave the company. The model will assist the company in targeting at-risk customers with </a:t>
+            </a:r>
+            <a:r>
+              <a:rPr lang="en-GB" sz="3600" b="1" i="1" dirty="0">
+                <a:solidFill>
+                  <a:srgbClr val="FF0000"/>
+                </a:solidFill>
+              </a:rPr>
+              <a:t>retention strategies</a:t>
+            </a:r>
+            <a:r>
+              <a:rPr lang="en-GB" sz="3600" dirty="0"/>
+              <a:t>, thereby reducing customer attrition and preserving revenue</a:t>
+            </a:r>
+            <a:r>
+              <a:rPr lang="en-GB" dirty="0"/>
+              <a:t>.</a:t>
+            </a:r>
             <a:endParaRPr lang="en-KE" dirty="0"/>
           </a:p>
         </p:txBody>
       </p:sp>
-      <p:sp>
-        <p:nvSpPr>
-          <p:cNvPr id="3" name="Content Placeholder 2">
-            <a:extLst>
-              <a:ext uri="{FF2B5EF4-FFF2-40B4-BE49-F238E27FC236}">
-                <a16:creationId xmlns:a16="http://schemas.microsoft.com/office/drawing/2014/main" id="{B96C2B88-1420-F599-52DB-20AE109F9956}"/>
-              </a:ext>
-            </a:extLst>
-          </p:cNvPr>
-          <p:cNvSpPr>
-            <a:spLocks noGrp="1"/>
-          </p:cNvSpPr>
-          <p:nvPr>
-            <p:ph idx="1"/>
-          </p:nvPr>
-        </p:nvSpPr>
-        <p:spPr/>
-        <p:txBody>
-          <a:bodyPr/>
-          <a:lstStyle/>
-          <a:p>
-            <a:endParaRPr lang="en-KE"/>
-          </a:p>
-        </p:txBody>
-      </p:sp>
+      <p:pic>
+        <p:nvPicPr>
+          <p:cNvPr id="6" name="Picture 5">
+            <a:extLst>
+              <a:ext uri="{FF2B5EF4-FFF2-40B4-BE49-F238E27FC236}">
+                <a16:creationId xmlns:a16="http://schemas.microsoft.com/office/drawing/2014/main" id="{35D08BC3-B6F4-9AFA-E048-E1B985CD53D1}"/>
+              </a:ext>
+            </a:extLst>
+          </p:cNvPr>
+          <p:cNvPicPr>
+            <a:picLocks noChangeAspect="1"/>
+          </p:cNvPicPr>
+          <p:nvPr/>
+        </p:nvPicPr>
+        <p:blipFill>
+          <a:blip r:embed="rId2">
+            <a:extLst>
+              <a:ext uri="{28A0092B-C50C-407E-A947-70E740481C1C}">
+                <a14:useLocalDpi xmlns:a14="http://schemas.microsoft.com/office/drawing/2010/main" val="0"/>
+              </a:ext>
+            </a:extLst>
+          </a:blip>
+          <a:stretch>
+            <a:fillRect/>
+          </a:stretch>
+        </p:blipFill>
+        <p:spPr>
+          <a:xfrm>
+            <a:off x="352098" y="1945264"/>
+            <a:ext cx="4761186" cy="4197188"/>
+          </a:xfrm>
+          <a:prstGeom prst="rect">
+            <a:avLst/>
+          </a:prstGeom>
+        </p:spPr>
+      </p:pic>
     </p:spTree>
     <p:extLst>
       <p:ext uri="{BB962C8B-B14F-4D97-AF65-F5344CB8AC3E}">
         <p14:creationId xmlns:p14="http://schemas.microsoft.com/office/powerpoint/2010/main" val="1177369284"/>
+      </p:ext>
+    </p:extLst>
+  </p:cSld>
+  <p:clrMapOvr>
+    <a:masterClrMapping/>
+  </p:clrMapOvr>
+</p:sld>
+</file>
+
+<file path=ppt/slides/slide3.xml><?xml version="1.0" encoding="utf-8"?>
+<p:sld xmlns:a="http://schemas.openxmlformats.org/drawingml/2006/main" xmlns:r="http://schemas.openxmlformats.org/officeDocument/2006/relationships" xmlns:p="http://schemas.openxmlformats.org/presentationml/2006/main">
+  <p:cSld>
+    <p:spTree>
+      <p:nvGrpSpPr>
+        <p:cNvPr id="1" name="">
+          <a:extLst>
+            <a:ext uri="{FF2B5EF4-FFF2-40B4-BE49-F238E27FC236}">
+              <a16:creationId xmlns:a16="http://schemas.microsoft.com/office/drawing/2014/main" id="{BF9F317E-D0FE-A372-F231-3E11AEE6B879}"/>
+            </a:ext>
+          </a:extLst>
+        </p:cNvPr>
+        <p:cNvGrpSpPr/>
+        <p:nvPr/>
+      </p:nvGrpSpPr>
+      <p:grpSpPr>
+        <a:xfrm>
+          <a:off x="0" y="0"/>
+          <a:ext cx="0" cy="0"/>
+          <a:chOff x="0" y="0"/>
+          <a:chExt cx="0" cy="0"/>
+        </a:xfrm>
+      </p:grpSpPr>
+      <p:sp>
+        <p:nvSpPr>
+          <p:cNvPr id="2" name="Title 1">
+            <a:extLst>
+              <a:ext uri="{FF2B5EF4-FFF2-40B4-BE49-F238E27FC236}">
+                <a16:creationId xmlns:a16="http://schemas.microsoft.com/office/drawing/2014/main" id="{F5F9A314-0380-75F2-1A26-55BBD5E25EDF}"/>
+              </a:ext>
+            </a:extLst>
+          </p:cNvPr>
+          <p:cNvSpPr>
+            <a:spLocks noGrp="1"/>
+          </p:cNvSpPr>
+          <p:nvPr>
+            <p:ph type="title"/>
+          </p:nvPr>
+        </p:nvSpPr>
+        <p:spPr>
+          <a:xfrm>
+            <a:off x="409903" y="252248"/>
+            <a:ext cx="11430000" cy="1529256"/>
+          </a:xfrm>
+          <a:solidFill>
+            <a:srgbClr val="7030A0"/>
+          </a:solidFill>
+        </p:spPr>
+        <p:txBody>
+          <a:bodyPr>
+            <a:normAutofit/>
+          </a:bodyPr>
+          <a:lstStyle/>
+          <a:p>
+            <a:r>
+              <a:rPr lang="en-US" sz="5400" b="1" dirty="0"/>
+              <a:t>  Business Understanding</a:t>
+            </a:r>
+            <a:endParaRPr lang="en-KE" sz="5400" b="1" dirty="0"/>
+          </a:p>
+        </p:txBody>
+      </p:sp>
+      <p:sp>
+        <p:nvSpPr>
+          <p:cNvPr id="3" name="Content Placeholder 2">
+            <a:extLst>
+              <a:ext uri="{FF2B5EF4-FFF2-40B4-BE49-F238E27FC236}">
+                <a16:creationId xmlns:a16="http://schemas.microsoft.com/office/drawing/2014/main" id="{7F271835-31D4-10E5-85A6-2124EDA26EB8}"/>
+              </a:ext>
+            </a:extLst>
+          </p:cNvPr>
+          <p:cNvSpPr>
+            <a:spLocks noGrp="1"/>
+          </p:cNvSpPr>
+          <p:nvPr>
+            <p:ph idx="1"/>
+          </p:nvPr>
+        </p:nvSpPr>
+        <p:spPr>
+          <a:xfrm>
+            <a:off x="409903" y="1891864"/>
+            <a:ext cx="8607973" cy="4840011"/>
+          </a:xfrm>
+          <a:solidFill>
+            <a:schemeClr val="accent1">
+              <a:lumMod val="40000"/>
+              <a:lumOff val="60000"/>
+            </a:schemeClr>
+          </a:solidFill>
+        </p:spPr>
+        <p:txBody>
+          <a:bodyPr>
+            <a:normAutofit lnSpcReduction="10000"/>
+          </a:bodyPr>
+          <a:lstStyle/>
+          <a:p>
+            <a:pPr marL="0" indent="0" algn="just">
+              <a:buNone/>
+            </a:pPr>
+            <a:r>
+              <a:rPr lang="en-GB" dirty="0"/>
+              <a:t>Customer churn is a critical business challenge for telco companies. </a:t>
+            </a:r>
+          </a:p>
+          <a:p>
+            <a:pPr marL="0" indent="0" algn="just">
+              <a:buNone/>
+            </a:pPr>
+            <a:r>
+              <a:rPr lang="en-GB" dirty="0"/>
+              <a:t>In a </a:t>
+            </a:r>
+            <a:r>
+              <a:rPr lang="en-GB" i="1" u="sng" dirty="0"/>
+              <a:t>highly competitive </a:t>
+            </a:r>
+            <a:r>
+              <a:rPr lang="en-GB" dirty="0"/>
+              <a:t>and </a:t>
+            </a:r>
+            <a:r>
+              <a:rPr lang="en-GB" i="1" u="sng" dirty="0"/>
+              <a:t>saturated market</a:t>
+            </a:r>
+            <a:r>
+              <a:rPr lang="en-GB" dirty="0"/>
+              <a:t>, </a:t>
+            </a:r>
+            <a:r>
+              <a:rPr lang="en-GB" b="1" i="1" u="sng" dirty="0">
+                <a:solidFill>
+                  <a:srgbClr val="FF0000"/>
+                </a:solidFill>
+              </a:rPr>
+              <a:t>retaining existing customers</a:t>
+            </a:r>
+            <a:r>
+              <a:rPr lang="en-GB" dirty="0"/>
+              <a:t> is often more cost-effective than acquiring new ones. Churn not only impacts immediate revenue but also affects long-term customer lifetime value, </a:t>
+            </a:r>
+            <a:r>
+              <a:rPr lang="en-GB" b="1" u="sng" dirty="0"/>
+              <a:t>brand loyalty</a:t>
+            </a:r>
+            <a:r>
+              <a:rPr lang="en-GB" dirty="0"/>
+              <a:t>, and </a:t>
+            </a:r>
+            <a:r>
+              <a:rPr lang="en-GB" b="1" u="sng" dirty="0"/>
+              <a:t>operational efficiency</a:t>
+            </a:r>
+            <a:r>
+              <a:rPr lang="en-GB" dirty="0"/>
+              <a:t>. </a:t>
+            </a:r>
+          </a:p>
+          <a:p>
+            <a:pPr marL="0" indent="0" algn="just">
+              <a:buNone/>
+            </a:pPr>
+            <a:r>
+              <a:rPr lang="en-GB" dirty="0"/>
+              <a:t>Understanding why customers leave — and more importantly, identifying who is likely to leave — can empower </a:t>
+            </a:r>
+            <a:r>
+              <a:rPr lang="en-GB" dirty="0" err="1"/>
+              <a:t>SyriaTel</a:t>
+            </a:r>
+            <a:r>
+              <a:rPr lang="en-GB" dirty="0"/>
+              <a:t> to take timely, targeted actions. These may include personalized marketing campaigns, service improvements, or tailored retention offers.</a:t>
+            </a:r>
+            <a:endParaRPr lang="en-KE" dirty="0"/>
+          </a:p>
+        </p:txBody>
+      </p:sp>
+      <p:pic>
+        <p:nvPicPr>
+          <p:cNvPr id="6" name="Picture 5">
+            <a:extLst>
+              <a:ext uri="{FF2B5EF4-FFF2-40B4-BE49-F238E27FC236}">
+                <a16:creationId xmlns:a16="http://schemas.microsoft.com/office/drawing/2014/main" id="{CE1895B4-14C8-0572-21EB-EF6253B40464}"/>
+              </a:ext>
+            </a:extLst>
+          </p:cNvPr>
+          <p:cNvPicPr>
+            <a:picLocks noChangeAspect="1"/>
+          </p:cNvPicPr>
+          <p:nvPr/>
+        </p:nvPicPr>
+        <p:blipFill>
+          <a:blip r:embed="rId2">
+            <a:extLst>
+              <a:ext uri="{28A0092B-C50C-407E-A947-70E740481C1C}">
+                <a14:useLocalDpi xmlns:a14="http://schemas.microsoft.com/office/drawing/2010/main" val="0"/>
+              </a:ext>
+            </a:extLst>
+          </a:blip>
+          <a:stretch>
+            <a:fillRect/>
+          </a:stretch>
+        </p:blipFill>
+        <p:spPr>
+          <a:xfrm>
+            <a:off x="9292493" y="1684631"/>
+            <a:ext cx="2088862" cy="5015717"/>
+          </a:xfrm>
+          <a:prstGeom prst="rect">
+            <a:avLst/>
+          </a:prstGeom>
+        </p:spPr>
+      </p:pic>
+    </p:spTree>
+    <p:extLst>
+      <p:ext uri="{BB962C8B-B14F-4D97-AF65-F5344CB8AC3E}">
+        <p14:creationId xmlns:p14="http://schemas.microsoft.com/office/powerpoint/2010/main" val="378736039"/>
+      </p:ext>
+    </p:extLst>
+  </p:cSld>
+  <p:clrMapOvr>
+    <a:masterClrMapping/>
+  </p:clrMapOvr>
+</p:sld>
+</file>
+
+<file path=ppt/slides/slide4.xml><?xml version="1.0" encoding="utf-8"?>
+<p:sld xmlns:a="http://schemas.openxmlformats.org/drawingml/2006/main" xmlns:r="http://schemas.openxmlformats.org/officeDocument/2006/relationships" xmlns:p="http://schemas.openxmlformats.org/presentationml/2006/main">
+  <p:cSld>
+    <p:spTree>
+      <p:nvGrpSpPr>
+        <p:cNvPr id="1" name="">
+          <a:extLst>
+            <a:ext uri="{FF2B5EF4-FFF2-40B4-BE49-F238E27FC236}">
+              <a16:creationId xmlns:a16="http://schemas.microsoft.com/office/drawing/2014/main" id="{26E1F773-D1C4-F6BD-0941-C22AFD7423B1}"/>
+            </a:ext>
+          </a:extLst>
+        </p:cNvPr>
+        <p:cNvGrpSpPr/>
+        <p:nvPr/>
+      </p:nvGrpSpPr>
+      <p:grpSpPr>
+        <a:xfrm>
+          <a:off x="0" y="0"/>
+          <a:ext cx="0" cy="0"/>
+          <a:chOff x="0" y="0"/>
+          <a:chExt cx="0" cy="0"/>
+        </a:xfrm>
+      </p:grpSpPr>
+      <p:sp>
+        <p:nvSpPr>
+          <p:cNvPr id="2" name="Title 1">
+            <a:extLst>
+              <a:ext uri="{FF2B5EF4-FFF2-40B4-BE49-F238E27FC236}">
+                <a16:creationId xmlns:a16="http://schemas.microsoft.com/office/drawing/2014/main" id="{D16E2CC5-D59D-5762-C54E-8677B1EA5C01}"/>
+              </a:ext>
+            </a:extLst>
+          </p:cNvPr>
+          <p:cNvSpPr>
+            <a:spLocks noGrp="1"/>
+          </p:cNvSpPr>
+          <p:nvPr>
+            <p:ph type="title"/>
+          </p:nvPr>
+        </p:nvSpPr>
+        <p:spPr>
+          <a:xfrm>
+            <a:off x="409903" y="299545"/>
+            <a:ext cx="11430000" cy="1292772"/>
+          </a:xfrm>
+          <a:solidFill>
+            <a:srgbClr val="7030A0"/>
+          </a:solidFill>
+        </p:spPr>
+        <p:txBody>
+          <a:bodyPr/>
+          <a:lstStyle/>
+          <a:p>
+            <a:r>
+              <a:rPr lang="en-US" sz="4400" b="1" dirty="0"/>
+              <a:t>  </a:t>
+            </a:r>
+            <a:r>
+              <a:rPr lang="en-US" sz="6000" b="1" dirty="0"/>
+              <a:t>Objectives</a:t>
+            </a:r>
+            <a:endParaRPr lang="en-KE" sz="6000" dirty="0"/>
+          </a:p>
+        </p:txBody>
+      </p:sp>
+      <p:pic>
+        <p:nvPicPr>
+          <p:cNvPr id="5" name="Picture 4">
+            <a:extLst>
+              <a:ext uri="{FF2B5EF4-FFF2-40B4-BE49-F238E27FC236}">
+                <a16:creationId xmlns:a16="http://schemas.microsoft.com/office/drawing/2014/main" id="{D5A944E4-7AB2-BE11-FEC9-4C809BFC4E4D}"/>
+              </a:ext>
+            </a:extLst>
+          </p:cNvPr>
+          <p:cNvPicPr>
+            <a:picLocks noChangeAspect="1"/>
+          </p:cNvPicPr>
+          <p:nvPr/>
+        </p:nvPicPr>
+        <p:blipFill>
+          <a:blip r:embed="rId2">
+            <a:extLst>
+              <a:ext uri="{28A0092B-C50C-407E-A947-70E740481C1C}">
+                <a14:useLocalDpi xmlns:a14="http://schemas.microsoft.com/office/drawing/2010/main" val="0"/>
+              </a:ext>
+            </a:extLst>
+          </a:blip>
+          <a:stretch>
+            <a:fillRect/>
+          </a:stretch>
+        </p:blipFill>
+        <p:spPr>
+          <a:xfrm>
+            <a:off x="457201" y="2498833"/>
+            <a:ext cx="3407333" cy="3042748"/>
+          </a:xfrm>
+          <a:prstGeom prst="rect">
+            <a:avLst/>
+          </a:prstGeom>
+        </p:spPr>
+      </p:pic>
+      <p:sp>
+        <p:nvSpPr>
+          <p:cNvPr id="3" name="Content Placeholder 2">
+            <a:extLst>
+              <a:ext uri="{FF2B5EF4-FFF2-40B4-BE49-F238E27FC236}">
+                <a16:creationId xmlns:a16="http://schemas.microsoft.com/office/drawing/2014/main" id="{434AD294-AD7D-58B2-4EF9-0E092B6550A9}"/>
+              </a:ext>
+            </a:extLst>
+          </p:cNvPr>
+          <p:cNvSpPr>
+            <a:spLocks noGrp="1"/>
+          </p:cNvSpPr>
+          <p:nvPr>
+            <p:ph idx="1"/>
+          </p:nvPr>
+        </p:nvSpPr>
+        <p:spPr>
+          <a:xfrm>
+            <a:off x="3925614" y="1765737"/>
+            <a:ext cx="7882757" cy="4508941"/>
+          </a:xfrm>
+          <a:gradFill flip="none" rotWithShape="1">
+            <a:gsLst>
+              <a:gs pos="0">
+                <a:schemeClr val="accent1">
+                  <a:tint val="66000"/>
+                  <a:satMod val="160000"/>
+                </a:schemeClr>
+              </a:gs>
+              <a:gs pos="50000">
+                <a:schemeClr val="accent1">
+                  <a:tint val="44500"/>
+                  <a:satMod val="160000"/>
+                </a:schemeClr>
+              </a:gs>
+              <a:gs pos="100000">
+                <a:schemeClr val="accent1">
+                  <a:tint val="23500"/>
+                  <a:satMod val="160000"/>
+                </a:schemeClr>
+              </a:gs>
+            </a:gsLst>
+            <a:path path="circle">
+              <a:fillToRect l="100000" t="100000"/>
+            </a:path>
+            <a:tileRect r="-100000" b="-100000"/>
+          </a:gradFill>
+        </p:spPr>
+        <p:txBody>
+          <a:bodyPr>
+            <a:normAutofit fontScale="92500" lnSpcReduction="20000"/>
+          </a:bodyPr>
+          <a:lstStyle/>
+          <a:p>
+            <a:r>
+              <a:rPr lang="en-GB" dirty="0">
+                <a:solidFill>
+                  <a:srgbClr val="1F2328"/>
+                </a:solidFill>
+                <a:latin typeface="-apple-system"/>
+              </a:rPr>
+              <a:t>Primarily we aimed at bu</a:t>
+            </a:r>
+            <a:r>
+              <a:rPr lang="en-GB" b="0" i="0" dirty="0">
+                <a:solidFill>
+                  <a:srgbClr val="1F2328"/>
+                </a:solidFill>
+                <a:effectLst/>
+                <a:latin typeface="-apple-system"/>
+              </a:rPr>
+              <a:t>ilding a predictive model that accurately flags at-risk customers enabling </a:t>
+            </a:r>
+            <a:r>
+              <a:rPr lang="en-GB" b="1" i="0" dirty="0">
+                <a:solidFill>
+                  <a:schemeClr val="accent6">
+                    <a:lumMod val="75000"/>
+                  </a:schemeClr>
+                </a:solidFill>
+                <a:effectLst/>
+                <a:latin typeface="-apple-system"/>
+              </a:rPr>
+              <a:t>SyriaTel</a:t>
+            </a:r>
+            <a:r>
+              <a:rPr lang="en-GB" b="0" i="0" dirty="0">
+                <a:solidFill>
+                  <a:srgbClr val="1F2328"/>
+                </a:solidFill>
+                <a:effectLst/>
+                <a:latin typeface="-apple-system"/>
+              </a:rPr>
+              <a:t> to shift from reactive to proactive customer retention. </a:t>
+            </a:r>
+          </a:p>
+          <a:p>
+            <a:r>
+              <a:rPr lang="en-GB" b="0" i="0" dirty="0">
+                <a:solidFill>
+                  <a:srgbClr val="1F2328"/>
+                </a:solidFill>
+                <a:effectLst/>
+                <a:latin typeface="-apple-system"/>
+              </a:rPr>
+              <a:t>Here are the </a:t>
+            </a:r>
+            <a:r>
+              <a:rPr lang="en-GB" dirty="0">
+                <a:solidFill>
+                  <a:srgbClr val="FF0000"/>
+                </a:solidFill>
+                <a:latin typeface="-apple-system"/>
+              </a:rPr>
+              <a:t>S</a:t>
+            </a:r>
+            <a:r>
+              <a:rPr lang="en-GB" b="0" i="0" dirty="0">
+                <a:solidFill>
+                  <a:srgbClr val="FF0000"/>
+                </a:solidFill>
+                <a:effectLst/>
+                <a:latin typeface="-apple-system"/>
+              </a:rPr>
+              <a:t>pecific Objectives:-</a:t>
+            </a:r>
+            <a:br>
+              <a:rPr lang="en-GB" b="0" i="0" dirty="0">
+                <a:solidFill>
+                  <a:srgbClr val="FF0000"/>
+                </a:solidFill>
+                <a:effectLst/>
+                <a:latin typeface="-apple-system"/>
+              </a:rPr>
+            </a:br>
+            <a:endParaRPr lang="en-GB" b="0" i="0" dirty="0">
+              <a:solidFill>
+                <a:srgbClr val="FF0000"/>
+              </a:solidFill>
+              <a:effectLst/>
+              <a:latin typeface="-apple-system"/>
+            </a:endParaRPr>
+          </a:p>
+          <a:p>
+            <a:pPr marL="1166813" indent="-536575" algn="l">
+              <a:spcAft>
+                <a:spcPts val="1200"/>
+              </a:spcAft>
+              <a:buFont typeface="+mj-lt"/>
+              <a:buAutoNum type="arabicPeriod"/>
+            </a:pPr>
+            <a:r>
+              <a:rPr lang="en-GB" sz="2400" b="1" i="0" dirty="0">
+                <a:solidFill>
+                  <a:srgbClr val="1F2328"/>
+                </a:solidFill>
+                <a:effectLst/>
+                <a:latin typeface="-apple-system"/>
+              </a:rPr>
+              <a:t>Build a Predictive Model for Churn</a:t>
+            </a:r>
+            <a:endParaRPr lang="en-GB" sz="2400" b="0" i="0" dirty="0">
+              <a:solidFill>
+                <a:srgbClr val="1F2328"/>
+              </a:solidFill>
+              <a:effectLst/>
+              <a:latin typeface="-apple-system"/>
+            </a:endParaRPr>
+          </a:p>
+          <a:p>
+            <a:pPr marL="1166813" indent="-536575" algn="l">
+              <a:spcAft>
+                <a:spcPts val="1200"/>
+              </a:spcAft>
+              <a:buFont typeface="+mj-lt"/>
+              <a:buAutoNum type="arabicPeriod"/>
+            </a:pPr>
+            <a:r>
+              <a:rPr lang="en-GB" sz="2400" b="1" i="0" dirty="0">
+                <a:solidFill>
+                  <a:srgbClr val="1F2328"/>
+                </a:solidFill>
+                <a:effectLst/>
+                <a:latin typeface="-apple-system"/>
+              </a:rPr>
+              <a:t>Improve Churn Prediction Accuracy</a:t>
+            </a:r>
+            <a:endParaRPr lang="en-GB" sz="2400" b="0" i="0" dirty="0">
+              <a:solidFill>
+                <a:srgbClr val="1F2328"/>
+              </a:solidFill>
+              <a:effectLst/>
+              <a:latin typeface="-apple-system"/>
+            </a:endParaRPr>
+          </a:p>
+          <a:p>
+            <a:pPr marL="1166813" indent="-536575" algn="l">
+              <a:spcAft>
+                <a:spcPts val="1200"/>
+              </a:spcAft>
+              <a:buFont typeface="+mj-lt"/>
+              <a:buAutoNum type="arabicPeriod"/>
+            </a:pPr>
+            <a:r>
+              <a:rPr lang="en-GB" sz="2400" b="1" i="0" dirty="0">
+                <a:solidFill>
+                  <a:srgbClr val="1F2328"/>
+                </a:solidFill>
+                <a:effectLst/>
+                <a:latin typeface="-apple-system"/>
+              </a:rPr>
+              <a:t>Develop a Repeatable ML Pipeline</a:t>
+            </a:r>
+            <a:r>
+              <a:rPr lang="en-GB" sz="2400" b="0" i="0" dirty="0">
+                <a:solidFill>
+                  <a:srgbClr val="1F2328"/>
+                </a:solidFill>
+                <a:effectLst/>
+                <a:latin typeface="-apple-system"/>
+              </a:rPr>
+              <a:t>: Build a clean and modular workflow that can be reused with updated customer data in the future.</a:t>
+            </a:r>
+          </a:p>
+          <a:p>
+            <a:pPr marL="1166813" indent="-536575" algn="l">
+              <a:spcAft>
+                <a:spcPts val="1200"/>
+              </a:spcAft>
+              <a:buFont typeface="+mj-lt"/>
+              <a:buAutoNum type="arabicPeriod"/>
+            </a:pPr>
+            <a:r>
+              <a:rPr lang="en-GB" sz="2400" b="1" i="0" dirty="0">
+                <a:solidFill>
+                  <a:srgbClr val="1F2328"/>
+                </a:solidFill>
+                <a:effectLst/>
+                <a:latin typeface="-apple-system"/>
+              </a:rPr>
+              <a:t>Then Communicate Findings Clearly</a:t>
+            </a:r>
+            <a:r>
+              <a:rPr lang="en-GB" sz="2400" b="0" i="0" dirty="0">
+                <a:solidFill>
+                  <a:srgbClr val="1F2328"/>
+                </a:solidFill>
+                <a:effectLst/>
+                <a:latin typeface="-apple-system"/>
+              </a:rPr>
+              <a:t>: Present model insights</a:t>
+            </a:r>
+          </a:p>
+          <a:p>
+            <a:pPr marL="0" indent="0">
+              <a:buNone/>
+            </a:pPr>
+            <a:endParaRPr lang="en-KE" dirty="0"/>
+          </a:p>
+        </p:txBody>
+      </p:sp>
+    </p:spTree>
+    <p:extLst>
+      <p:ext uri="{BB962C8B-B14F-4D97-AF65-F5344CB8AC3E}">
+        <p14:creationId xmlns:p14="http://schemas.microsoft.com/office/powerpoint/2010/main" val="1803735515"/>
+      </p:ext>
+    </p:extLst>
+  </p:cSld>
+  <p:clrMapOvr>
+    <a:masterClrMapping/>
+  </p:clrMapOvr>
+</p:sld>
+</file>
+
+<file path=ppt/slides/slide5.xml><?xml version="1.0" encoding="utf-8"?>
+<p:sld xmlns:a="http://schemas.openxmlformats.org/drawingml/2006/main" xmlns:r="http://schemas.openxmlformats.org/officeDocument/2006/relationships" xmlns:p="http://schemas.openxmlformats.org/presentationml/2006/main">
+  <p:cSld>
+    <p:spTree>
+      <p:nvGrpSpPr>
+        <p:cNvPr id="1" name="">
+          <a:extLst>
+            <a:ext uri="{FF2B5EF4-FFF2-40B4-BE49-F238E27FC236}">
+              <a16:creationId xmlns:a16="http://schemas.microsoft.com/office/drawing/2014/main" id="{596265C2-E204-A386-9853-4662B161CB41}"/>
+            </a:ext>
+          </a:extLst>
+        </p:cNvPr>
+        <p:cNvGrpSpPr/>
+        <p:nvPr/>
+      </p:nvGrpSpPr>
+      <p:grpSpPr>
+        <a:xfrm>
+          <a:off x="0" y="0"/>
+          <a:ext cx="0" cy="0"/>
+          <a:chOff x="0" y="0"/>
+          <a:chExt cx="0" cy="0"/>
+        </a:xfrm>
+      </p:grpSpPr>
+      <p:sp>
+        <p:nvSpPr>
+          <p:cNvPr id="2" name="Title 1">
+            <a:extLst>
+              <a:ext uri="{FF2B5EF4-FFF2-40B4-BE49-F238E27FC236}">
+                <a16:creationId xmlns:a16="http://schemas.microsoft.com/office/drawing/2014/main" id="{F9252948-DAB6-3F14-F0AF-8BF7650D47A8}"/>
+              </a:ext>
+            </a:extLst>
+          </p:cNvPr>
+          <p:cNvSpPr>
+            <a:spLocks noGrp="1"/>
+          </p:cNvSpPr>
+          <p:nvPr>
+            <p:ph type="title"/>
+          </p:nvPr>
+        </p:nvSpPr>
+        <p:spPr>
+          <a:xfrm>
+            <a:off x="257505" y="299545"/>
+            <a:ext cx="11582398" cy="1324304"/>
+          </a:xfrm>
+          <a:solidFill>
+            <a:srgbClr val="7030A0"/>
+          </a:solidFill>
+        </p:spPr>
+        <p:txBody>
+          <a:bodyPr/>
+          <a:lstStyle/>
+          <a:p>
+            <a:r>
+              <a:rPr lang="en-US" b="1" dirty="0"/>
+              <a:t>  Models</a:t>
+            </a:r>
+            <a:endParaRPr lang="en-KE" b="1" dirty="0"/>
+          </a:p>
+        </p:txBody>
+      </p:sp>
+      <p:sp>
+        <p:nvSpPr>
+          <p:cNvPr id="3" name="Content Placeholder 2">
+            <a:extLst>
+              <a:ext uri="{FF2B5EF4-FFF2-40B4-BE49-F238E27FC236}">
+                <a16:creationId xmlns:a16="http://schemas.microsoft.com/office/drawing/2014/main" id="{98D2CC1E-2AFF-2FC6-36C6-16F91BABD80F}"/>
+              </a:ext>
+            </a:extLst>
+          </p:cNvPr>
+          <p:cNvSpPr>
+            <a:spLocks noGrp="1"/>
+          </p:cNvSpPr>
+          <p:nvPr>
+            <p:ph idx="1"/>
+          </p:nvPr>
+        </p:nvSpPr>
+        <p:spPr>
+          <a:xfrm>
+            <a:off x="257505" y="1813036"/>
+            <a:ext cx="6542689" cy="4572000"/>
+          </a:xfrm>
+          <a:solidFill>
+            <a:schemeClr val="accent1">
+              <a:lumMod val="40000"/>
+              <a:lumOff val="60000"/>
+            </a:schemeClr>
+          </a:solidFill>
+        </p:spPr>
+        <p:txBody>
+          <a:bodyPr>
+            <a:normAutofit lnSpcReduction="10000"/>
+          </a:bodyPr>
+          <a:lstStyle/>
+          <a:p>
+            <a:r>
+              <a:rPr lang="en-GB" dirty="0"/>
+              <a:t>We leveraged, trained and evaluated several models including </a:t>
+            </a:r>
+            <a:r>
+              <a:rPr lang="en-GB" b="1" dirty="0"/>
+              <a:t>Logistic Regression</a:t>
+            </a:r>
+            <a:r>
+              <a:rPr lang="en-GB" dirty="0"/>
+              <a:t>, </a:t>
+            </a:r>
+            <a:r>
+              <a:rPr lang="en-GB" b="1" dirty="0"/>
+              <a:t>Random Forest</a:t>
+            </a:r>
+            <a:r>
+              <a:rPr lang="en-GB" dirty="0"/>
+              <a:t>, and </a:t>
+            </a:r>
+            <a:r>
+              <a:rPr lang="en-GB" b="1" dirty="0"/>
+              <a:t>KNN</a:t>
+            </a:r>
+            <a:r>
+              <a:rPr lang="en-GB" dirty="0"/>
+              <a:t>. We also addressed class imbalance via </a:t>
+            </a:r>
+            <a:r>
+              <a:rPr lang="en-GB" i="1" dirty="0"/>
+              <a:t>SMOTE</a:t>
+            </a:r>
+            <a:r>
+              <a:rPr lang="en-GB" dirty="0"/>
+              <a:t> and </a:t>
+            </a:r>
+            <a:r>
+              <a:rPr lang="en-GB" i="1" dirty="0"/>
+              <a:t>class weighting</a:t>
+            </a:r>
+            <a:r>
+              <a:rPr lang="en-GB" dirty="0"/>
+              <a:t>.</a:t>
+            </a:r>
+          </a:p>
+          <a:p>
+            <a:r>
+              <a:rPr lang="en-GB" dirty="0"/>
+              <a:t>We used classification metrics (</a:t>
+            </a:r>
+            <a:r>
+              <a:rPr lang="en-GB" b="1" i="1" u="sng" dirty="0"/>
+              <a:t>accuracy</a:t>
+            </a:r>
+            <a:r>
+              <a:rPr lang="en-GB" dirty="0"/>
+              <a:t>, </a:t>
+            </a:r>
+            <a:r>
+              <a:rPr lang="en-GB" b="1" i="1" u="sng" dirty="0"/>
+              <a:t>precision</a:t>
+            </a:r>
+            <a:r>
+              <a:rPr lang="en-GB" dirty="0"/>
+              <a:t>, </a:t>
+            </a:r>
+            <a:r>
+              <a:rPr lang="en-GB" b="1" i="1" u="sng" dirty="0"/>
+              <a:t>recall</a:t>
+            </a:r>
+            <a:r>
+              <a:rPr lang="en-GB" dirty="0"/>
+              <a:t>, </a:t>
+            </a:r>
+            <a:r>
+              <a:rPr lang="en-GB" b="1" i="1" u="sng" dirty="0"/>
+              <a:t>F1-score</a:t>
+            </a:r>
+            <a:r>
+              <a:rPr lang="en-GB" dirty="0"/>
+              <a:t>) and </a:t>
+            </a:r>
+            <a:r>
+              <a:rPr lang="en-GB" b="1" dirty="0"/>
+              <a:t>ROC-AUC</a:t>
+            </a:r>
+            <a:r>
+              <a:rPr lang="en-GB" dirty="0"/>
+              <a:t> to assess performance. Then focused on identifying the model’s ability to detect churned customers accurately.</a:t>
+            </a:r>
+          </a:p>
+          <a:p>
+            <a:r>
+              <a:rPr lang="en-GB" dirty="0"/>
+              <a:t>We ran improvements to capture more accuracy and robustness of predictions.</a:t>
+            </a:r>
+            <a:endParaRPr lang="en-KE" dirty="0"/>
+          </a:p>
+        </p:txBody>
+      </p:sp>
+      <p:pic>
+        <p:nvPicPr>
+          <p:cNvPr id="8" name="Picture 7">
+            <a:extLst>
+              <a:ext uri="{FF2B5EF4-FFF2-40B4-BE49-F238E27FC236}">
+                <a16:creationId xmlns:a16="http://schemas.microsoft.com/office/drawing/2014/main" id="{BF9DCB87-7E78-8868-BE1C-6F3F5D1569A9}"/>
+              </a:ext>
+            </a:extLst>
+          </p:cNvPr>
+          <p:cNvPicPr>
+            <a:picLocks noChangeAspect="1"/>
+          </p:cNvPicPr>
+          <p:nvPr/>
+        </p:nvPicPr>
+        <p:blipFill>
+          <a:blip r:embed="rId2">
+            <a:extLst>
+              <a:ext uri="{28A0092B-C50C-407E-A947-70E740481C1C}">
+                <a14:useLocalDpi xmlns:a14="http://schemas.microsoft.com/office/drawing/2010/main" val="0"/>
+              </a:ext>
+            </a:extLst>
+          </a:blip>
+          <a:stretch>
+            <a:fillRect/>
+          </a:stretch>
+        </p:blipFill>
+        <p:spPr>
+          <a:xfrm>
+            <a:off x="6470104" y="2017987"/>
+            <a:ext cx="5464391" cy="3640684"/>
+          </a:xfrm>
+          <a:prstGeom prst="rect">
+            <a:avLst/>
+          </a:prstGeom>
+        </p:spPr>
+      </p:pic>
+    </p:spTree>
+    <p:extLst>
+      <p:ext uri="{BB962C8B-B14F-4D97-AF65-F5344CB8AC3E}">
+        <p14:creationId xmlns:p14="http://schemas.microsoft.com/office/powerpoint/2010/main" val="1243140724"/>
+      </p:ext>
+    </p:extLst>
+  </p:cSld>
+  <p:clrMapOvr>
+    <a:masterClrMapping/>
+  </p:clrMapOvr>
+</p:sld>
+</file>
+
+<file path=ppt/slides/slide6.xml><?xml version="1.0" encoding="utf-8"?>
+<p:sld xmlns:a="http://schemas.openxmlformats.org/drawingml/2006/main" xmlns:r="http://schemas.openxmlformats.org/officeDocument/2006/relationships" xmlns:p="http://schemas.openxmlformats.org/presentationml/2006/main">
+  <p:cSld>
+    <p:spTree>
+      <p:nvGrpSpPr>
+        <p:cNvPr id="1" name="">
+          <a:extLst>
+            <a:ext uri="{FF2B5EF4-FFF2-40B4-BE49-F238E27FC236}">
+              <a16:creationId xmlns:a16="http://schemas.microsoft.com/office/drawing/2014/main" id="{FFFA281E-68F1-2C44-B840-AAAC013E9AA5}"/>
+            </a:ext>
+          </a:extLst>
+        </p:cNvPr>
+        <p:cNvGrpSpPr/>
+        <p:nvPr/>
+      </p:nvGrpSpPr>
+      <p:grpSpPr>
+        <a:xfrm>
+          <a:off x="0" y="0"/>
+          <a:ext cx="0" cy="0"/>
+          <a:chOff x="0" y="0"/>
+          <a:chExt cx="0" cy="0"/>
+        </a:xfrm>
+      </p:grpSpPr>
+      <p:sp>
+        <p:nvSpPr>
+          <p:cNvPr id="2" name="Title 1">
+            <a:extLst>
+              <a:ext uri="{FF2B5EF4-FFF2-40B4-BE49-F238E27FC236}">
+                <a16:creationId xmlns:a16="http://schemas.microsoft.com/office/drawing/2014/main" id="{EED9793E-4AB3-5812-249F-98AAEE24A951}"/>
+              </a:ext>
+            </a:extLst>
+          </p:cNvPr>
+          <p:cNvSpPr>
+            <a:spLocks noGrp="1"/>
+          </p:cNvSpPr>
+          <p:nvPr>
+            <p:ph type="title"/>
+          </p:nvPr>
+        </p:nvSpPr>
+        <p:spPr>
+          <a:xfrm>
+            <a:off x="409902" y="220715"/>
+            <a:ext cx="11430000" cy="1234669"/>
+          </a:xfrm>
+          <a:solidFill>
+            <a:srgbClr val="7030A0"/>
+          </a:solidFill>
+        </p:spPr>
+        <p:txBody>
+          <a:bodyPr>
+            <a:normAutofit/>
+          </a:bodyPr>
+          <a:lstStyle/>
+          <a:p>
+            <a:r>
+              <a:rPr lang="en-US" sz="4800" b="1" dirty="0"/>
+              <a:t>  Interpretation</a:t>
+            </a:r>
+            <a:endParaRPr lang="en-KE" sz="4800" b="1" dirty="0"/>
+          </a:p>
+        </p:txBody>
+      </p:sp>
+      <p:sp>
+        <p:nvSpPr>
+          <p:cNvPr id="3" name="Content Placeholder 2">
+            <a:extLst>
+              <a:ext uri="{FF2B5EF4-FFF2-40B4-BE49-F238E27FC236}">
+                <a16:creationId xmlns:a16="http://schemas.microsoft.com/office/drawing/2014/main" id="{F1E9F0EF-8CB4-E469-0E48-E3E56B4E500A}"/>
+              </a:ext>
+            </a:extLst>
+          </p:cNvPr>
+          <p:cNvSpPr>
+            <a:spLocks noGrp="1"/>
+          </p:cNvSpPr>
+          <p:nvPr>
+            <p:ph idx="1"/>
+          </p:nvPr>
+        </p:nvSpPr>
+        <p:spPr>
+          <a:xfrm>
+            <a:off x="6730656" y="1734207"/>
+            <a:ext cx="5109246" cy="4776952"/>
+          </a:xfrm>
+          <a:solidFill>
+            <a:schemeClr val="accent1">
+              <a:lumMod val="40000"/>
+              <a:lumOff val="60000"/>
+            </a:schemeClr>
+          </a:solidFill>
+        </p:spPr>
+        <p:txBody>
+          <a:bodyPr>
+            <a:normAutofit lnSpcReduction="10000"/>
+          </a:bodyPr>
+          <a:lstStyle/>
+          <a:p>
+            <a:r>
+              <a:rPr lang="en-US" sz="4000" dirty="0"/>
+              <a:t>The Random Forest model ran well in capturing potential churn costumers.</a:t>
+            </a:r>
+          </a:p>
+          <a:p>
+            <a:r>
+              <a:rPr lang="en-US" sz="4000" dirty="0"/>
+              <a:t>This model will serve the company well so that it can leverage better customer retention strategies.</a:t>
+            </a:r>
+          </a:p>
+          <a:p>
+            <a:endParaRPr lang="en-KE" dirty="0"/>
+          </a:p>
+        </p:txBody>
+      </p:sp>
+      <p:pic>
+        <p:nvPicPr>
+          <p:cNvPr id="5" name="Picture 4">
+            <a:extLst>
+              <a:ext uri="{FF2B5EF4-FFF2-40B4-BE49-F238E27FC236}">
+                <a16:creationId xmlns:a16="http://schemas.microsoft.com/office/drawing/2014/main" id="{751C32B6-3FAD-7F29-5013-EB1EF64F945E}"/>
+              </a:ext>
+            </a:extLst>
+          </p:cNvPr>
+          <p:cNvPicPr>
+            <a:picLocks noChangeAspect="1"/>
+          </p:cNvPicPr>
+          <p:nvPr/>
+        </p:nvPicPr>
+        <p:blipFill>
+          <a:blip r:embed="rId2"/>
+          <a:stretch>
+            <a:fillRect/>
+          </a:stretch>
+        </p:blipFill>
+        <p:spPr>
+          <a:xfrm>
+            <a:off x="47295" y="1526330"/>
+            <a:ext cx="6683361" cy="5331670"/>
+          </a:xfrm>
+          <a:prstGeom prst="rect">
+            <a:avLst/>
+          </a:prstGeom>
+        </p:spPr>
+      </p:pic>
+    </p:spTree>
+    <p:extLst>
+      <p:ext uri="{BB962C8B-B14F-4D97-AF65-F5344CB8AC3E}">
+        <p14:creationId xmlns:p14="http://schemas.microsoft.com/office/powerpoint/2010/main" val="1032845563"/>
+      </p:ext>
+    </p:extLst>
+  </p:cSld>
+  <p:clrMapOvr>
+    <a:masterClrMapping/>
+  </p:clrMapOvr>
+</p:sld>
+</file>
+
+<file path=ppt/slides/slide7.xml><?xml version="1.0" encoding="utf-8"?>
+<p:sld xmlns:a="http://schemas.openxmlformats.org/drawingml/2006/main" xmlns:r="http://schemas.openxmlformats.org/officeDocument/2006/relationships" xmlns:p="http://schemas.openxmlformats.org/presentationml/2006/main">
+  <p:cSld>
+    <p:spTree>
+      <p:nvGrpSpPr>
+        <p:cNvPr id="1" name="">
+          <a:extLst>
+            <a:ext uri="{FF2B5EF4-FFF2-40B4-BE49-F238E27FC236}">
+              <a16:creationId xmlns:a16="http://schemas.microsoft.com/office/drawing/2014/main" id="{4F45E9A2-B74F-0FB1-9BF7-42BCE5E9AA7F}"/>
+            </a:ext>
+          </a:extLst>
+        </p:cNvPr>
+        <p:cNvGrpSpPr/>
+        <p:nvPr/>
+      </p:nvGrpSpPr>
+      <p:grpSpPr>
+        <a:xfrm>
+          <a:off x="0" y="0"/>
+          <a:ext cx="0" cy="0"/>
+          <a:chOff x="0" y="0"/>
+          <a:chExt cx="0" cy="0"/>
+        </a:xfrm>
+      </p:grpSpPr>
+      <p:sp>
+        <p:nvSpPr>
+          <p:cNvPr id="2" name="Title 1">
+            <a:extLst>
+              <a:ext uri="{FF2B5EF4-FFF2-40B4-BE49-F238E27FC236}">
+                <a16:creationId xmlns:a16="http://schemas.microsoft.com/office/drawing/2014/main" id="{BA5FE12D-A865-181B-6FB0-20D5AF725C43}"/>
+              </a:ext>
+            </a:extLst>
+          </p:cNvPr>
+          <p:cNvSpPr>
+            <a:spLocks noGrp="1"/>
+          </p:cNvSpPr>
+          <p:nvPr>
+            <p:ph type="title"/>
+          </p:nvPr>
+        </p:nvSpPr>
+        <p:spPr>
+          <a:xfrm>
+            <a:off x="409903" y="299545"/>
+            <a:ext cx="11430000" cy="1529256"/>
+          </a:xfrm>
+          <a:solidFill>
+            <a:srgbClr val="7030A0"/>
+          </a:solidFill>
+        </p:spPr>
+        <p:txBody>
+          <a:bodyPr>
+            <a:normAutofit/>
+          </a:bodyPr>
+          <a:lstStyle/>
+          <a:p>
+            <a:r>
+              <a:rPr lang="en-US" sz="5400" b="1" dirty="0"/>
+              <a:t>  </a:t>
+            </a:r>
+            <a:r>
+              <a:rPr lang="en-US" sz="6000" b="1" dirty="0"/>
+              <a:t>Recommendation</a:t>
+            </a:r>
+            <a:endParaRPr lang="en-KE" sz="5400" b="1" dirty="0"/>
+          </a:p>
+        </p:txBody>
+      </p:sp>
+      <p:sp>
+        <p:nvSpPr>
+          <p:cNvPr id="3" name="Content Placeholder 2">
+            <a:extLst>
+              <a:ext uri="{FF2B5EF4-FFF2-40B4-BE49-F238E27FC236}">
+                <a16:creationId xmlns:a16="http://schemas.microsoft.com/office/drawing/2014/main" id="{8EBA3096-9012-96DA-FCA3-CD9C2FE1F344}"/>
+              </a:ext>
+            </a:extLst>
+          </p:cNvPr>
+          <p:cNvSpPr>
+            <a:spLocks noGrp="1"/>
+          </p:cNvSpPr>
+          <p:nvPr>
+            <p:ph idx="1"/>
+          </p:nvPr>
+        </p:nvSpPr>
+        <p:spPr>
+          <a:xfrm>
+            <a:off x="409903" y="1891865"/>
+            <a:ext cx="11430000" cy="4303986"/>
+          </a:xfrm>
+          <a:solidFill>
+            <a:schemeClr val="accent1">
+              <a:lumMod val="40000"/>
+              <a:lumOff val="60000"/>
+            </a:schemeClr>
+          </a:solidFill>
+        </p:spPr>
+        <p:txBody>
+          <a:bodyPr>
+            <a:normAutofit/>
+          </a:bodyPr>
+          <a:lstStyle/>
+          <a:p>
+            <a:pPr marL="361950" indent="0" algn="just" defTabSz="860425">
+              <a:buNone/>
+              <a:tabLst>
+                <a:tab pos="10404475" algn="l"/>
+              </a:tabLst>
+            </a:pPr>
+            <a:r>
+              <a:rPr lang="en-GB" sz="3200" dirty="0"/>
+              <a:t>The ROC curve showing how your classifier performs across different thresholds. The AUC value, 0.90 summarizing overall performance for the </a:t>
+            </a:r>
+            <a:r>
+              <a:rPr lang="en-GB" sz="3200" b="1" dirty="0">
+                <a:solidFill>
+                  <a:srgbClr val="FF0000"/>
+                </a:solidFill>
+              </a:rPr>
+              <a:t>Random Forest </a:t>
+            </a:r>
+            <a:r>
+              <a:rPr lang="en-GB" sz="3200" dirty="0"/>
+              <a:t>points the best performing model. This means that it is the closest to perfect classification. From this we infer and conclude that the </a:t>
+            </a:r>
+            <a:r>
+              <a:rPr lang="en-GB" sz="3200" dirty="0">
+                <a:solidFill>
+                  <a:srgbClr val="FF0000"/>
+                </a:solidFill>
+              </a:rPr>
+              <a:t>Random Forest Model </a:t>
+            </a:r>
+            <a:r>
+              <a:rPr lang="en-GB" sz="3200" dirty="0"/>
+              <a:t>is the most accurate and reliable classifier among the three. </a:t>
+            </a:r>
+            <a:endParaRPr lang="en-KE" sz="3200" dirty="0"/>
+          </a:p>
+        </p:txBody>
+      </p:sp>
+    </p:spTree>
+    <p:extLst>
+      <p:ext uri="{BB962C8B-B14F-4D97-AF65-F5344CB8AC3E}">
+        <p14:creationId xmlns:p14="http://schemas.microsoft.com/office/powerpoint/2010/main" val="3222917326"/>
+      </p:ext>
+    </p:extLst>
+  </p:cSld>
+  <p:clrMapOvr>
+    <a:masterClrMapping/>
+  </p:clrMapOvr>
+</p:sld>
+</file>
+
+<file path=ppt/slides/slide8.xml><?xml version="1.0" encoding="utf-8"?>
+<p:sld xmlns:a="http://schemas.openxmlformats.org/drawingml/2006/main" xmlns:r="http://schemas.openxmlformats.org/officeDocument/2006/relationships" xmlns:p="http://schemas.openxmlformats.org/presentationml/2006/main">
+  <p:cSld>
+    <p:spTree>
+      <p:nvGrpSpPr>
+        <p:cNvPr id="1" name=""/>
+        <p:cNvGrpSpPr/>
+        <p:nvPr/>
+      </p:nvGrpSpPr>
+      <p:grpSpPr>
+        <a:xfrm>
+          <a:off x="0" y="0"/>
+          <a:ext cx="0" cy="0"/>
+          <a:chOff x="0" y="0"/>
+          <a:chExt cx="0" cy="0"/>
+        </a:xfrm>
+      </p:grpSpPr>
+      <p:sp>
+        <p:nvSpPr>
+          <p:cNvPr id="3" name="Content Placeholder 2">
+            <a:extLst>
+              <a:ext uri="{FF2B5EF4-FFF2-40B4-BE49-F238E27FC236}">
+                <a16:creationId xmlns:a16="http://schemas.microsoft.com/office/drawing/2014/main" id="{2215417C-3E59-65AF-0B40-4426DC8F8A1E}"/>
+              </a:ext>
+            </a:extLst>
+          </p:cNvPr>
+          <p:cNvSpPr>
+            <a:spLocks noGrp="1"/>
+          </p:cNvSpPr>
+          <p:nvPr>
+            <p:ph idx="1"/>
+          </p:nvPr>
+        </p:nvSpPr>
+        <p:spPr>
+          <a:xfrm>
+            <a:off x="312420" y="3276782"/>
+            <a:ext cx="11567160" cy="1626289"/>
+          </a:xfrm>
+          <a:solidFill>
+            <a:schemeClr val="bg1">
+              <a:lumMod val="95000"/>
+            </a:schemeClr>
+          </a:solidFill>
+          <a:ln>
+            <a:solidFill>
+              <a:schemeClr val="tx1"/>
+            </a:solidFill>
+          </a:ln>
+        </p:spPr>
+        <p:txBody>
+          <a:bodyPr/>
+          <a:lstStyle/>
+          <a:p>
+            <a:pPr marL="0" indent="0">
+              <a:buNone/>
+            </a:pPr>
+            <a:endParaRPr lang="en-US" dirty="0"/>
+          </a:p>
+          <a:p>
+            <a:pPr marL="0" indent="0" algn="ctr">
+              <a:buNone/>
+            </a:pPr>
+            <a:r>
+              <a:rPr lang="en-US" dirty="0"/>
+              <a:t>The End!</a:t>
+            </a:r>
+            <a:endParaRPr lang="en-KE" dirty="0"/>
+          </a:p>
+        </p:txBody>
+      </p:sp>
+      <p:sp>
+        <p:nvSpPr>
+          <p:cNvPr id="4" name="Title 1">
+            <a:extLst>
+              <a:ext uri="{FF2B5EF4-FFF2-40B4-BE49-F238E27FC236}">
+                <a16:creationId xmlns:a16="http://schemas.microsoft.com/office/drawing/2014/main" id="{9E2F069D-16A2-EA57-CEE2-B37E0AB66425}"/>
+              </a:ext>
+            </a:extLst>
+          </p:cNvPr>
+          <p:cNvSpPr>
+            <a:spLocks noGrp="1"/>
+          </p:cNvSpPr>
+          <p:nvPr>
+            <p:ph type="title"/>
+          </p:nvPr>
+        </p:nvSpPr>
+        <p:spPr>
+          <a:xfrm>
+            <a:off x="312420" y="2017981"/>
+            <a:ext cx="11567160" cy="1200621"/>
+          </a:xfrm>
+          <a:solidFill>
+            <a:srgbClr val="7030A0"/>
+          </a:solidFill>
+          <a:ln>
+            <a:solidFill>
+              <a:schemeClr val="tx1"/>
+            </a:solidFill>
+          </a:ln>
+        </p:spPr>
+        <p:txBody>
+          <a:bodyPr>
+            <a:normAutofit/>
+          </a:bodyPr>
+          <a:lstStyle/>
+          <a:p>
+            <a:pPr algn="ctr"/>
+            <a:r>
+              <a:rPr lang="en-US" sz="6600" b="1" dirty="0"/>
+              <a:t>Thank you</a:t>
+            </a:r>
+            <a:endParaRPr lang="en-KE" sz="6600" b="1" dirty="0"/>
+          </a:p>
+        </p:txBody>
+      </p:sp>
+    </p:spTree>
+    <p:extLst>
+      <p:ext uri="{BB962C8B-B14F-4D97-AF65-F5344CB8AC3E}">
+        <p14:creationId xmlns:p14="http://schemas.microsoft.com/office/powerpoint/2010/main" val="1089508429"/>
       </p:ext>
     </p:extLst>
   </p:cSld>
@@ -3868,4 +6128,299 @@
     </a:ext>
   </a:extLst>
 </a:theme>
+</file>
+
+<file path=ppt/theme/theme2.xml><?xml version="1.0" encoding="utf-8"?>
+<a:theme xmlns:a="http://schemas.openxmlformats.org/drawingml/2006/main" name="Office Theme">
+  <a:themeElements>
+    <a:clrScheme name="Office">
+      <a:dk1>
+        <a:sysClr val="windowText" lastClr="000000"/>
+      </a:dk1>
+      <a:lt1>
+        <a:sysClr val="window" lastClr="FFFFFF"/>
+      </a:lt1>
+      <a:dk2>
+        <a:srgbClr val="44546A"/>
+      </a:dk2>
+      <a:lt2>
+        <a:srgbClr val="E7E6E6"/>
+      </a:lt2>
+      <a:accent1>
+        <a:srgbClr val="4472C4"/>
+      </a:accent1>
+      <a:accent2>
+        <a:srgbClr val="ED7D31"/>
+      </a:accent2>
+      <a:accent3>
+        <a:srgbClr val="A5A5A5"/>
+      </a:accent3>
+      <a:accent4>
+        <a:srgbClr val="FFC000"/>
+      </a:accent4>
+      <a:accent5>
+        <a:srgbClr val="5B9BD5"/>
+      </a:accent5>
+      <a:accent6>
+        <a:srgbClr val="70AD47"/>
+      </a:accent6>
+      <a:hlink>
+        <a:srgbClr val="0563C1"/>
+      </a:hlink>
+      <a:folHlink>
+        <a:srgbClr val="954F72"/>
+      </a:folHlink>
+    </a:clrScheme>
+    <a:fontScheme name="Office">
+      <a:majorFont>
+        <a:latin typeface="Calibri Light" panose="020F0302020204030204"/>
+        <a:ea typeface=""/>
+        <a:cs typeface=""/>
+        <a:font script="Jpan" typeface="游ゴシック Light"/>
+        <a:font script="Hang" typeface="맑은 고딕"/>
+        <a:font script="Hans" typeface="等线 Light"/>
+        <a:font script="Hant" typeface="新細明體"/>
+        <a:font script="Arab" typeface="Times New Roman"/>
+        <a:font script="Hebr" typeface="Times New Roman"/>
+        <a:font script="Thai" typeface="Angsana New"/>
+        <a:font script="Ethi" typeface="Nyala"/>
+        <a:font script="Beng" typeface="Vrinda"/>
+        <a:font script="Gujr" typeface="Shruti"/>
+        <a:font script="Khmr" typeface="MoolBoran"/>
+        <a:font script="Knda" typeface="Tunga"/>
+        <a:font script="Guru" typeface="Raavi"/>
+        <a:font script="Cans" typeface="Euphemia"/>
+        <a:font script="Cher" typeface="Plantagenet Cherokee"/>
+        <a:font script="Yiii" typeface="Microsoft Yi Baiti"/>
+        <a:font script="Tibt" typeface="Microsoft Himalaya"/>
+        <a:font script="Thaa" typeface="MV Boli"/>
+        <a:font script="Deva" typeface="Mangal"/>
+        <a:font script="Telu" typeface="Gautami"/>
+        <a:font script="Taml" typeface="Latha"/>
+        <a:font script="Syrc" typeface="Estrangelo Edessa"/>
+        <a:font script="Orya" typeface="Kalinga"/>
+        <a:font script="Mlym" typeface="Kartika"/>
+        <a:font script="Laoo" typeface="DokChampa"/>
+        <a:font script="Sinh" typeface="Iskoola Pota"/>
+        <a:font script="Mong" typeface="Mongolian Baiti"/>
+        <a:font script="Viet" typeface="Times New Roman"/>
+        <a:font script="Uigh" typeface="Microsoft Uighur"/>
+        <a:font script="Geor" typeface="Sylfaen"/>
+        <a:font script="Armn" typeface="Arial"/>
+        <a:font script="Bugi" typeface="Leelawadee UI"/>
+        <a:font script="Bopo" typeface="Microsoft JhengHei"/>
+        <a:font script="Java" typeface="Javanese Text"/>
+        <a:font script="Lisu" typeface="Segoe UI"/>
+        <a:font script="Mymr" typeface="Myanmar Text"/>
+        <a:font script="Nkoo" typeface="Ebrima"/>
+        <a:font script="Olck" typeface="Nirmala UI"/>
+        <a:font script="Osma" typeface="Ebrima"/>
+        <a:font script="Phag" typeface="Phagspa"/>
+        <a:font script="Syrn" typeface="Estrangelo Edessa"/>
+        <a:font script="Syrj" typeface="Estrangelo Edessa"/>
+        <a:font script="Syre" typeface="Estrangelo Edessa"/>
+        <a:font script="Sora" typeface="Nirmala UI"/>
+        <a:font script="Tale" typeface="Microsoft Tai Le"/>
+        <a:font script="Talu" typeface="Microsoft New Tai Lue"/>
+        <a:font script="Tfng" typeface="Ebrima"/>
+      </a:majorFont>
+      <a:minorFont>
+        <a:latin typeface="Calibri" panose="020F0502020204030204"/>
+        <a:ea typeface=""/>
+        <a:cs typeface=""/>
+        <a:font script="Jpan" typeface="游ゴシック"/>
+        <a:font script="Hang" typeface="맑은 고딕"/>
+        <a:font script="Hans" typeface="等线"/>
+        <a:font script="Hant" typeface="新細明體"/>
+        <a:font script="Arab" typeface="Arial"/>
+        <a:font script="Hebr" typeface="Arial"/>
+        <a:font script="Thai" typeface="Cordia New"/>
+        <a:font script="Ethi" typeface="Nyala"/>
+        <a:font script="Beng" typeface="Vrinda"/>
+        <a:font script="Gujr" typeface="Shruti"/>
+        <a:font script="Khmr" typeface="DaunPenh"/>
+        <a:font script="Knda" typeface="Tunga"/>
+        <a:font script="Guru" typeface="Raavi"/>
+        <a:font script="Cans" typeface="Euphemia"/>
+        <a:font script="Cher" typeface="Plantagenet Cherokee"/>
+        <a:font script="Yiii" typeface="Microsoft Yi Baiti"/>
+        <a:font script="Tibt" typeface="Microsoft Himalaya"/>
+        <a:font script="Thaa" typeface="MV Boli"/>
+        <a:font script="Deva" typeface="Mangal"/>
+        <a:font script="Telu" typeface="Gautami"/>
+        <a:font script="Taml" typeface="Latha"/>
+        <a:font script="Syrc" typeface="Estrangelo Edessa"/>
+        <a:font script="Orya" typeface="Kalinga"/>
+        <a:font script="Mlym" typeface="Kartika"/>
+        <a:font script="Laoo" typeface="DokChampa"/>
+        <a:font script="Sinh" typeface="Iskoola Pota"/>
+        <a:font script="Mong" typeface="Mongolian Baiti"/>
+        <a:font script="Viet" typeface="Arial"/>
+        <a:font script="Uigh" typeface="Microsoft Uighur"/>
+        <a:font script="Geor" typeface="Sylfaen"/>
+        <a:font script="Armn" typeface="Arial"/>
+        <a:font script="Bugi" typeface="Leelawadee UI"/>
+        <a:font script="Bopo" typeface="Microsoft JhengHei"/>
+        <a:font script="Java" typeface="Javanese Text"/>
+        <a:font script="Lisu" typeface="Segoe UI"/>
+        <a:font script="Mymr" typeface="Myanmar Text"/>
+        <a:font script="Nkoo" typeface="Ebrima"/>
+        <a:font script="Olck" typeface="Nirmala UI"/>
+        <a:font script="Osma" typeface="Ebrima"/>
+        <a:font script="Phag" typeface="Phagspa"/>
+        <a:font script="Syrn" typeface="Estrangelo Edessa"/>
+        <a:font script="Syrj" typeface="Estrangelo Edessa"/>
+        <a:font script="Syre" typeface="Estrangelo Edessa"/>
+        <a:font script="Sora" typeface="Nirmala UI"/>
+        <a:font script="Tale" typeface="Microsoft Tai Le"/>
+        <a:font script="Talu" typeface="Microsoft New Tai Lue"/>
+        <a:font script="Tfng" typeface="Ebrima"/>
+      </a:minorFont>
+    </a:fontScheme>
+    <a:fmtScheme name="Office">
+      <a:fillStyleLst>
+        <a:solidFill>
+          <a:schemeClr val="phClr"/>
+        </a:solidFill>
+        <a:gradFill rotWithShape="1">
+          <a:gsLst>
+            <a:gs pos="0">
+              <a:schemeClr val="phClr">
+                <a:lumMod val="110000"/>
+                <a:satMod val="105000"/>
+                <a:tint val="67000"/>
+              </a:schemeClr>
+            </a:gs>
+            <a:gs pos="50000">
+              <a:schemeClr val="phClr">
+                <a:lumMod val="105000"/>
+                <a:satMod val="103000"/>
+                <a:tint val="73000"/>
+              </a:schemeClr>
+            </a:gs>
+            <a:gs pos="100000">
+              <a:schemeClr val="phClr">
+                <a:lumMod val="105000"/>
+                <a:satMod val="109000"/>
+                <a:tint val="81000"/>
+              </a:schemeClr>
+            </a:gs>
+          </a:gsLst>
+          <a:lin ang="5400000" scaled="0"/>
+        </a:gradFill>
+        <a:gradFill rotWithShape="1">
+          <a:gsLst>
+            <a:gs pos="0">
+              <a:schemeClr val="phClr">
+                <a:satMod val="103000"/>
+                <a:lumMod val="102000"/>
+                <a:tint val="94000"/>
+              </a:schemeClr>
+            </a:gs>
+            <a:gs pos="50000">
+              <a:schemeClr val="phClr">
+                <a:satMod val="110000"/>
+                <a:lumMod val="100000"/>
+                <a:shade val="100000"/>
+              </a:schemeClr>
+            </a:gs>
+            <a:gs pos="100000">
+              <a:schemeClr val="phClr">
+                <a:lumMod val="99000"/>
+                <a:satMod val="120000"/>
+                <a:shade val="78000"/>
+              </a:schemeClr>
+            </a:gs>
+          </a:gsLst>
+          <a:lin ang="5400000" scaled="0"/>
+        </a:gradFill>
+      </a:fillStyleLst>
+      <a:lnStyleLst>
+        <a:ln w="6350" cap="flat" cmpd="sng" algn="ctr">
+          <a:solidFill>
+            <a:schemeClr val="phClr"/>
+          </a:solidFill>
+          <a:prstDash val="solid"/>
+          <a:miter lim="800000"/>
+        </a:ln>
+        <a:ln w="12700" cap="flat" cmpd="sng" algn="ctr">
+          <a:solidFill>
+            <a:schemeClr val="phClr"/>
+          </a:solidFill>
+          <a:prstDash val="solid"/>
+          <a:miter lim="800000"/>
+        </a:ln>
+        <a:ln w="19050" cap="flat" cmpd="sng" algn="ctr">
+          <a:solidFill>
+            <a:schemeClr val="phClr"/>
+          </a:solidFill>
+          <a:prstDash val="solid"/>
+          <a:miter lim="800000"/>
+        </a:ln>
+      </a:lnStyleLst>
+      <a:effectStyleLst>
+        <a:effectStyle>
+          <a:effectLst/>
+        </a:effectStyle>
+        <a:effectStyle>
+          <a:effectLst/>
+        </a:effectStyle>
+        <a:effectStyle>
+          <a:effectLst>
+            <a:outerShdw blurRad="57150" dist="19050" dir="5400000" algn="ctr" rotWithShape="0">
+              <a:srgbClr val="000000">
+                <a:alpha val="63000"/>
+              </a:srgbClr>
+            </a:outerShdw>
+          </a:effectLst>
+        </a:effectStyle>
+      </a:effectStyleLst>
+      <a:bgFillStyleLst>
+        <a:solidFill>
+          <a:schemeClr val="phClr"/>
+        </a:solidFill>
+        <a:solidFill>
+          <a:schemeClr val="phClr">
+            <a:tint val="95000"/>
+            <a:satMod val="170000"/>
+          </a:schemeClr>
+        </a:solidFill>
+        <a:gradFill rotWithShape="1">
+          <a:gsLst>
+            <a:gs pos="0">
+              <a:schemeClr val="phClr">
+                <a:tint val="93000"/>
+                <a:satMod val="150000"/>
+                <a:shade val="98000"/>
+                <a:lumMod val="102000"/>
+              </a:schemeClr>
+            </a:gs>
+            <a:gs pos="50000">
+              <a:schemeClr val="phClr">
+                <a:tint val="98000"/>
+                <a:satMod val="130000"/>
+                <a:shade val="90000"/>
+                <a:lumMod val="103000"/>
+              </a:schemeClr>
+            </a:gs>
+            <a:gs pos="100000">
+              <a:schemeClr val="phClr">
+                <a:shade val="63000"/>
+                <a:satMod val="120000"/>
+              </a:schemeClr>
+            </a:gs>
+          </a:gsLst>
+          <a:lin ang="5400000" scaled="0"/>
+        </a:gradFill>
+      </a:bgFillStyleLst>
+    </a:fmtScheme>
+  </a:themeElements>
+  <a:objectDefaults/>
+  <a:extraClrSchemeLst/>
+  <a:extLst>
+    <a:ext uri="{05A4C25C-085E-4340-85A3-A5531E510DB2}">
+      <thm15:themeFamily xmlns:thm15="http://schemas.microsoft.com/office/thememl/2012/main" name="Office Theme" id="{62F939B6-93AF-4DB8-9C6B-D6C7DFDC589F}" vid="{4A3C46E8-61CC-4603-A589-7422A47A8E4A}"/>
+    </a:ext>
+  </a:extLst>
+</a:theme>
 </file>